--- a/ppt/RxJava.pptx
+++ b/ppt/RxJava.pptx
@@ -5,7 +5,7 @@
     <p:sldMasterId id="2147483648" r:id="rId1"/>
   </p:sldMasterIdLst>
   <p:notesMasterIdLst>
-    <p:notesMasterId r:id="rId14"/>
+    <p:notesMasterId r:id="rId15"/>
   </p:notesMasterIdLst>
   <p:sldIdLst>
     <p:sldId id="256" r:id="rId2"/>
@@ -13,13 +13,14 @@
     <p:sldId id="258" r:id="rId4"/>
     <p:sldId id="266" r:id="rId5"/>
     <p:sldId id="259" r:id="rId6"/>
-    <p:sldId id="267" r:id="rId7"/>
-    <p:sldId id="260" r:id="rId8"/>
-    <p:sldId id="261" r:id="rId9"/>
-    <p:sldId id="262" r:id="rId10"/>
-    <p:sldId id="263" r:id="rId11"/>
-    <p:sldId id="264" r:id="rId12"/>
-    <p:sldId id="265" r:id="rId13"/>
+    <p:sldId id="268" r:id="rId7"/>
+    <p:sldId id="267" r:id="rId8"/>
+    <p:sldId id="260" r:id="rId9"/>
+    <p:sldId id="261" r:id="rId10"/>
+    <p:sldId id="269" r:id="rId11"/>
+    <p:sldId id="270" r:id="rId12"/>
+    <p:sldId id="263" r:id="rId13"/>
+    <p:sldId id="265" r:id="rId14"/>
   </p:sldIdLst>
   <p:sldSz cx="12192000" cy="6858000"/>
   <p:notesSz cx="6858000" cy="9144000"/>
@@ -208,7 +209,7 @@
           <a:p>
             <a:fld id="{19A5BC55-3C33-0743-8B4B-97B8055ECDE4}" type="datetimeFigureOut">
               <a:rPr lang="en-US" smtClean="0"/>
-              <a:t>7/18/18</a:t>
+              <a:t>1/7/19</a:t>
             </a:fld>
             <a:endParaRPr lang="en-US"/>
           </a:p>
@@ -607,7 +608,7 @@
           <a:p>
             <a:fld id="{5936B826-A437-9A48-975E-F3CDDD5F8243}" type="datetimeFigureOut">
               <a:rPr lang="en-US" smtClean="0"/>
-              <a:t>7/18/18</a:t>
+              <a:t>1/7/19</a:t>
             </a:fld>
             <a:endParaRPr lang="en-US"/>
           </a:p>
@@ -777,7 +778,7 @@
           <a:p>
             <a:fld id="{5936B826-A437-9A48-975E-F3CDDD5F8243}" type="datetimeFigureOut">
               <a:rPr lang="en-US" smtClean="0"/>
-              <a:t>7/18/18</a:t>
+              <a:t>1/7/19</a:t>
             </a:fld>
             <a:endParaRPr lang="en-US"/>
           </a:p>
@@ -957,7 +958,7 @@
           <a:p>
             <a:fld id="{5936B826-A437-9A48-975E-F3CDDD5F8243}" type="datetimeFigureOut">
               <a:rPr lang="en-US" smtClean="0"/>
-              <a:t>7/18/18</a:t>
+              <a:t>1/7/19</a:t>
             </a:fld>
             <a:endParaRPr lang="en-US"/>
           </a:p>
@@ -1127,7 +1128,7 @@
           <a:p>
             <a:fld id="{5936B826-A437-9A48-975E-F3CDDD5F8243}" type="datetimeFigureOut">
               <a:rPr lang="en-US" smtClean="0"/>
-              <a:t>7/18/18</a:t>
+              <a:t>1/7/19</a:t>
             </a:fld>
             <a:endParaRPr lang="en-US"/>
           </a:p>
@@ -1373,7 +1374,7 @@
           <a:p>
             <a:fld id="{5936B826-A437-9A48-975E-F3CDDD5F8243}" type="datetimeFigureOut">
               <a:rPr lang="en-US" smtClean="0"/>
-              <a:t>7/18/18</a:t>
+              <a:t>1/7/19</a:t>
             </a:fld>
             <a:endParaRPr lang="en-US"/>
           </a:p>
@@ -1605,7 +1606,7 @@
           <a:p>
             <a:fld id="{5936B826-A437-9A48-975E-F3CDDD5F8243}" type="datetimeFigureOut">
               <a:rPr lang="en-US" smtClean="0"/>
-              <a:t>7/18/18</a:t>
+              <a:t>1/7/19</a:t>
             </a:fld>
             <a:endParaRPr lang="en-US"/>
           </a:p>
@@ -1972,7 +1973,7 @@
           <a:p>
             <a:fld id="{5936B826-A437-9A48-975E-F3CDDD5F8243}" type="datetimeFigureOut">
               <a:rPr lang="en-US" smtClean="0"/>
-              <a:t>7/18/18</a:t>
+              <a:t>1/7/19</a:t>
             </a:fld>
             <a:endParaRPr lang="en-US"/>
           </a:p>
@@ -2090,7 +2091,7 @@
           <a:p>
             <a:fld id="{5936B826-A437-9A48-975E-F3CDDD5F8243}" type="datetimeFigureOut">
               <a:rPr lang="en-US" smtClean="0"/>
-              <a:t>7/18/18</a:t>
+              <a:t>1/7/19</a:t>
             </a:fld>
             <a:endParaRPr lang="en-US"/>
           </a:p>
@@ -2185,7 +2186,7 @@
           <a:p>
             <a:fld id="{5936B826-A437-9A48-975E-F3CDDD5F8243}" type="datetimeFigureOut">
               <a:rPr lang="en-US" smtClean="0"/>
-              <a:t>7/18/18</a:t>
+              <a:t>1/7/19</a:t>
             </a:fld>
             <a:endParaRPr lang="en-US"/>
           </a:p>
@@ -2462,7 +2463,7 @@
           <a:p>
             <a:fld id="{5936B826-A437-9A48-975E-F3CDDD5F8243}" type="datetimeFigureOut">
               <a:rPr lang="en-US" smtClean="0"/>
-              <a:t>7/18/18</a:t>
+              <a:t>1/7/19</a:t>
             </a:fld>
             <a:endParaRPr lang="en-US"/>
           </a:p>
@@ -2715,7 +2716,7 @@
           <a:p>
             <a:fld id="{5936B826-A437-9A48-975E-F3CDDD5F8243}" type="datetimeFigureOut">
               <a:rPr lang="en-US" smtClean="0"/>
-              <a:t>7/18/18</a:t>
+              <a:t>1/7/19</a:t>
             </a:fld>
             <a:endParaRPr lang="en-US"/>
           </a:p>
@@ -2928,7 +2929,7 @@
           <a:p>
             <a:fld id="{5936B826-A437-9A48-975E-F3CDDD5F8243}" type="datetimeFigureOut">
               <a:rPr lang="en-US" smtClean="0"/>
-              <a:t>7/18/18</a:t>
+              <a:t>1/7/19</a:t>
             </a:fld>
             <a:endParaRPr lang="en-US"/>
           </a:p>
@@ -3355,11 +3356,7 @@
           <a:p>
             <a:r>
               <a:rPr lang="en-US" dirty="0" smtClean="0"/>
-              <a:t>Introduction to </a:t>
-            </a:r>
-            <a:r>
-              <a:rPr lang="en-US" dirty="0" err="1" smtClean="0"/>
-              <a:t>RxJava</a:t>
+              <a:t>ReactiveX using RxJava</a:t>
             </a:r>
             <a:endParaRPr lang="en-US" dirty="0"/>
           </a:p>
@@ -3441,14 +3438,14 @@
           <a:lstStyle/>
           <a:p>
             <a:r>
-              <a:rPr lang="en-US" u="sng" dirty="0" smtClean="0">
+              <a:rPr lang="en-US" dirty="0" smtClean="0">
                 <a:solidFill>
                   <a:srgbClr val="00B0F0"/>
                 </a:solidFill>
               </a:rPr>
-              <a:t>Composability</a:t>
-            </a:r>
-            <a:endParaRPr lang="en-US" u="sng" dirty="0">
+              <a:t>Concurrency &amp; Schedulers</a:t>
+            </a:r>
+            <a:endParaRPr lang="en-US" dirty="0">
               <a:solidFill>
                 <a:srgbClr val="00B0F0"/>
               </a:solidFill>
@@ -3468,40 +3465,164 @@
         </p:nvSpPr>
         <p:spPr/>
         <p:txBody>
-          <a:bodyPr/>
-          <a:lstStyle/>
-          <a:p>
-            <a:r>
-              <a:rPr lang="en-US" dirty="0" err="1" smtClean="0"/>
-              <a:t>FlatMap</a:t>
-            </a:r>
-            <a:endParaRPr lang="en-US" dirty="0" smtClean="0"/>
-          </a:p>
-          <a:p>
-            <a:endParaRPr lang="en-US" dirty="0" smtClean="0"/>
-          </a:p>
-          <a:p>
-            <a:r>
-              <a:rPr lang="en-US" dirty="0" smtClean="0"/>
-              <a:t>Merge</a:t>
-            </a:r>
-          </a:p>
-          <a:p>
-            <a:endParaRPr lang="en-US" dirty="0" smtClean="0"/>
-          </a:p>
-          <a:p>
-            <a:r>
-              <a:rPr lang="en-US" dirty="0" smtClean="0"/>
-              <a:t>Zip</a:t>
-            </a:r>
-            <a:endParaRPr lang="en-US" dirty="0"/>
+          <a:bodyPr>
+            <a:normAutofit/>
+          </a:bodyPr>
+          <a:lstStyle/>
+          <a:p>
+            <a:r>
+              <a:rPr lang="en-US" dirty="0" smtClean="0">
+                <a:latin typeface="+mj-lt"/>
+              </a:rPr>
+              <a:t>Sync/</a:t>
+            </a:r>
+            <a:r>
+              <a:rPr lang="en-US" dirty="0" err="1" smtClean="0">
+                <a:latin typeface="+mj-lt"/>
+              </a:rPr>
+              <a:t>Async</a:t>
+            </a:r>
+            <a:r>
+              <a:rPr lang="en-US" dirty="0">
+                <a:latin typeface="+mj-lt"/>
+              </a:rPr>
+              <a:t> </a:t>
+            </a:r>
+            <a:r>
+              <a:rPr lang="mr-IN" dirty="0" smtClean="0">
+                <a:latin typeface="+mj-lt"/>
+              </a:rPr>
+              <a:t>–</a:t>
+            </a:r>
+            <a:r>
+              <a:rPr lang="en-US" dirty="0" smtClean="0">
+                <a:latin typeface="+mj-lt"/>
+              </a:rPr>
+              <a:t> understand how RxJava enables </a:t>
+            </a:r>
+            <a:r>
+              <a:rPr lang="en-US" dirty="0" err="1" smtClean="0">
+                <a:latin typeface="+mj-lt"/>
+              </a:rPr>
+              <a:t>Async</a:t>
+            </a:r>
+            <a:r>
+              <a:rPr lang="en-US" dirty="0" smtClean="0">
+                <a:latin typeface="+mj-lt"/>
+              </a:rPr>
+              <a:t>. </a:t>
+            </a:r>
+            <a:r>
+              <a:rPr lang="en-US" dirty="0">
+                <a:latin typeface="+mj-lt"/>
+              </a:rPr>
+              <a:t>RxJava never adds concurrency unless it is asked to do so</a:t>
+            </a:r>
+            <a:endParaRPr lang="en-US" dirty="0" smtClean="0">
+              <a:latin typeface="+mj-lt"/>
+            </a:endParaRPr>
+          </a:p>
+          <a:p>
+            <a:endParaRPr lang="en-US" dirty="0">
+              <a:latin typeface="+mj-lt"/>
+            </a:endParaRPr>
+          </a:p>
+          <a:p>
+            <a:r>
+              <a:rPr lang="en-US" dirty="0" smtClean="0">
+                <a:latin typeface="+mj-lt"/>
+              </a:rPr>
+              <a:t>Rx </a:t>
+            </a:r>
+            <a:r>
+              <a:rPr lang="en-US" dirty="0" smtClean="0">
+                <a:latin typeface="+mj-lt"/>
+              </a:rPr>
+              <a:t>contract </a:t>
+            </a:r>
+            <a:r>
+              <a:rPr lang="mr-IN" dirty="0" smtClean="0">
+                <a:latin typeface="+mj-lt"/>
+              </a:rPr>
+              <a:t>–</a:t>
+            </a:r>
+            <a:r>
+              <a:rPr lang="en-US" dirty="0" smtClean="0">
+                <a:latin typeface="+mj-lt"/>
+              </a:rPr>
+              <a:t> </a:t>
+            </a:r>
+            <a:r>
+              <a:rPr lang="en-US" dirty="0" err="1" smtClean="0">
+                <a:latin typeface="+mj-lt"/>
+              </a:rPr>
+              <a:t>onNext</a:t>
+            </a:r>
+            <a:r>
+              <a:rPr lang="en-US" dirty="0" smtClean="0">
+                <a:latin typeface="+mj-lt"/>
+              </a:rPr>
+              <a:t>, </a:t>
+            </a:r>
+            <a:r>
+              <a:rPr lang="en-US" dirty="0" err="1" smtClean="0">
+                <a:latin typeface="+mj-lt"/>
+              </a:rPr>
+              <a:t>onError</a:t>
+            </a:r>
+            <a:r>
+              <a:rPr lang="en-US" dirty="0" smtClean="0">
+                <a:latin typeface="+mj-lt"/>
+              </a:rPr>
+              <a:t>, </a:t>
+            </a:r>
+            <a:r>
+              <a:rPr lang="en-US" dirty="0" err="1" smtClean="0">
+                <a:latin typeface="+mj-lt"/>
+              </a:rPr>
+              <a:t>onCompleted</a:t>
+            </a:r>
+            <a:r>
+              <a:rPr lang="en-US" dirty="0" smtClean="0">
+                <a:latin typeface="+mj-lt"/>
+              </a:rPr>
+              <a:t> are ensured to be called concurrently</a:t>
+            </a:r>
+          </a:p>
+          <a:p>
+            <a:endParaRPr lang="en-US" dirty="0">
+              <a:latin typeface="+mj-lt"/>
+            </a:endParaRPr>
+          </a:p>
+          <a:p>
+            <a:r>
+              <a:rPr lang="en-US" dirty="0" err="1" smtClean="0">
+                <a:latin typeface="+mj-lt"/>
+              </a:rPr>
+              <a:t>SubscribeOn</a:t>
+            </a:r>
+            <a:r>
+              <a:rPr lang="en-US" dirty="0" smtClean="0">
+                <a:latin typeface="+mj-lt"/>
+              </a:rPr>
+              <a:t>, </a:t>
+            </a:r>
+            <a:r>
+              <a:rPr lang="en-US" dirty="0" err="1" smtClean="0">
+                <a:latin typeface="+mj-lt"/>
+              </a:rPr>
+              <a:t>ObserveOn</a:t>
+            </a:r>
+            <a:endParaRPr lang="en-US" dirty="0">
+              <a:latin typeface="+mj-lt"/>
+            </a:endParaRPr>
           </a:p>
         </p:txBody>
       </p:sp>
     </p:spTree>
     <p:extLst>
       <p:ext uri="{BB962C8B-B14F-4D97-AF65-F5344CB8AC3E}">
-        <p14:creationId xmlns:p14="http://schemas.microsoft.com/office/powerpoint/2010/main" val="453504084"/>
+        <p14:creationId xmlns:p14="http://schemas.microsoft.com/office/powerpoint/2010/main" val="1699933669"/>
       </p:ext>
     </p:extLst>
   </p:cSld>
@@ -3544,14 +3665,14 @@
           <a:lstStyle/>
           <a:p>
             <a:r>
-              <a:rPr lang="en-US" u="sng" dirty="0" smtClean="0">
+              <a:rPr lang="en-US" dirty="0" smtClean="0">
                 <a:solidFill>
                   <a:srgbClr val="00B0F0"/>
                 </a:solidFill>
               </a:rPr>
-              <a:t>Flow Control</a:t>
-            </a:r>
-            <a:endParaRPr lang="en-US" u="sng" dirty="0">
+              <a:t>Concurrency &amp; Schedulers</a:t>
+            </a:r>
+            <a:endParaRPr lang="en-US" dirty="0">
               <a:solidFill>
                 <a:srgbClr val="00B0F0"/>
               </a:solidFill>
@@ -3571,21 +3692,97 @@
         </p:nvSpPr>
         <p:spPr/>
         <p:txBody>
-          <a:bodyPr/>
-          <a:lstStyle/>
-          <a:p>
-            <a:r>
-              <a:rPr lang="en-US" dirty="0" smtClean="0"/>
-              <a:t>Backpressure</a:t>
-            </a:r>
-            <a:endParaRPr lang="en-US" dirty="0"/>
+          <a:bodyPr>
+            <a:normAutofit/>
+          </a:bodyPr>
+          <a:lstStyle/>
+          <a:p>
+            <a:r>
+              <a:rPr lang="en-US" dirty="0" smtClean="0">
+                <a:latin typeface="+mj-lt"/>
+              </a:rPr>
+              <a:t>Concurrency </a:t>
+            </a:r>
+            <a:r>
+              <a:rPr lang="en-US" dirty="0">
+                <a:latin typeface="+mj-lt"/>
+              </a:rPr>
+              <a:t>can come from multiple places, not just </a:t>
+            </a:r>
+            <a:r>
+              <a:rPr lang="en-US" dirty="0" smtClean="0">
+                <a:latin typeface="+mj-lt"/>
+              </a:rPr>
+              <a:t>thread pools</a:t>
+            </a:r>
+            <a:r>
+              <a:rPr lang="en-US" dirty="0">
+                <a:latin typeface="+mj-lt"/>
+              </a:rPr>
+              <a:t>. If the data source is already </a:t>
+            </a:r>
+            <a:r>
+              <a:rPr lang="en-US" dirty="0" err="1">
+                <a:latin typeface="+mj-lt"/>
+              </a:rPr>
+              <a:t>async</a:t>
+            </a:r>
+            <a:r>
+              <a:rPr lang="en-US" dirty="0">
+                <a:latin typeface="+mj-lt"/>
+              </a:rPr>
+              <a:t> because it is on an event loop, RxJava should not add more scheduling overhead or force a particular scheduling implementation. </a:t>
+            </a:r>
+            <a:endParaRPr lang="en-US" dirty="0" smtClean="0">
+              <a:latin typeface="+mj-lt"/>
+            </a:endParaRPr>
+          </a:p>
+          <a:p>
+            <a:endParaRPr lang="en-US" dirty="0">
+              <a:latin typeface="+mj-lt"/>
+            </a:endParaRPr>
+          </a:p>
+          <a:p>
+            <a:r>
+              <a:rPr lang="en-US" dirty="0" smtClean="0">
+                <a:latin typeface="+mj-lt"/>
+              </a:rPr>
+              <a:t>Concurrency </a:t>
+            </a:r>
+            <a:r>
+              <a:rPr lang="en-US" dirty="0">
+                <a:latin typeface="+mj-lt"/>
+              </a:rPr>
+              <a:t>can come from </a:t>
+            </a:r>
+            <a:r>
+              <a:rPr lang="en-US" dirty="0" smtClean="0">
+                <a:latin typeface="+mj-lt"/>
+              </a:rPr>
+              <a:t>thread pools</a:t>
+            </a:r>
+            <a:r>
+              <a:rPr lang="en-US" dirty="0">
+                <a:latin typeface="+mj-lt"/>
+              </a:rPr>
+              <a:t>, event loops, actors, and so on. It can be added, or it can originate from the data source. RxJava is agnostic with respect to where the asynchrony </a:t>
+            </a:r>
+            <a:r>
+              <a:rPr lang="en-US" dirty="0" smtClean="0">
+                <a:latin typeface="+mj-lt"/>
+              </a:rPr>
+              <a:t>originates</a:t>
+            </a:r>
+            <a:endParaRPr lang="en-US" dirty="0">
+              <a:latin typeface="+mj-lt"/>
+            </a:endParaRPr>
           </a:p>
         </p:txBody>
       </p:sp>
     </p:spTree>
     <p:extLst>
       <p:ext uri="{BB962C8B-B14F-4D97-AF65-F5344CB8AC3E}">
-        <p14:creationId xmlns:p14="http://schemas.microsoft.com/office/powerpoint/2010/main" val="680114857"/>
+        <p14:creationId xmlns:p14="http://schemas.microsoft.com/office/powerpoint/2010/main" val="1795641380"/>
       </p:ext>
     </p:extLst>
   </p:cSld>
@@ -3598,6 +3795,14 @@
 <file path=ppt/slides/slide12.xml><?xml version="1.0" encoding="utf-8"?>
 <p:sld xmlns:a="http://schemas.openxmlformats.org/drawingml/2006/main" xmlns:r="http://schemas.openxmlformats.org/officeDocument/2006/relationships" xmlns:p="http://schemas.openxmlformats.org/presentationml/2006/main">
   <p:cSld>
+    <p:bg>
+      <p:bgPr>
+        <a:solidFill>
+          <a:schemeClr val="bg1"/>
+        </a:solidFill>
+        <a:effectLst/>
+      </p:bgPr>
+    </p:bg>
     <p:spTree>
       <p:nvGrpSpPr>
         <p:cNvPr id="1" name=""/>
@@ -3614,6 +3819,71 @@
       </p:grpSpPr>
       <p:sp>
         <p:nvSpPr>
+          <p:cNvPr id="8" name="Rectangle 7">
+            <a:extLst>
+              <a:ext uri="{FF2B5EF4-FFF2-40B4-BE49-F238E27FC236}">
+                <a16:creationId xmlns:a16="http://schemas.microsoft.com/office/drawing/2014/main" xmlns="" id="{8D70B121-56F4-4848-B38B-182089D909FA}"/>
+              </a:ext>
+              <a:ext uri="{C183D7F6-B498-43B3-948B-1728B52AA6E4}">
+                <adec:decorative xmlns:adec="http://schemas.microsoft.com/office/drawing/2017/decorative" xmlns="" val="1"/>
+              </a:ext>
+            </a:extLst>
+          </p:cNvPr>
+          <p:cNvSpPr>
+            <a:spLocks noGrp="1" noRot="1" noChangeAspect="1" noMove="1" noResize="1" noEditPoints="1" noAdjustHandles="1" noChangeArrowheads="1" noChangeShapeType="1" noTextEdit="1"/>
+          </p:cNvSpPr>
+          <p:nvPr>
+            <p:extLst>
+              <p:ext uri="{386F3935-93C4-4BCD-93E2-E3B085C9AB24}">
+                <p16:designElem xmlns:p16="http://schemas.microsoft.com/office/powerpoint/2015/main" val="1"/>
+              </p:ext>
+            </p:extLst>
+          </p:nvPr>
+        </p:nvSpPr>
+        <p:spPr bwMode="ltGray">
+          <a:xfrm>
+            <a:off x="321564" y="320040"/>
+            <a:ext cx="11548872" cy="6217920"/>
+          </a:xfrm>
+          <a:prstGeom prst="rect">
+            <a:avLst/>
+          </a:prstGeom>
+          <a:solidFill>
+            <a:schemeClr val="tx1">
+              <a:alpha val="8000"/>
+            </a:schemeClr>
+          </a:solidFill>
+          <a:ln w="127000" cap="sq" cmpd="thinThick">
+            <a:noFill/>
+          </a:ln>
+        </p:spPr>
+        <p:style>
+          <a:lnRef idx="2">
+            <a:schemeClr val="accent1">
+              <a:shade val="50000"/>
+            </a:schemeClr>
+          </a:lnRef>
+          <a:fillRef idx="1">
+            <a:schemeClr val="accent1"/>
+          </a:fillRef>
+          <a:effectRef idx="0">
+            <a:schemeClr val="accent1"/>
+          </a:effectRef>
+          <a:fontRef idx="minor">
+            <a:schemeClr val="lt1"/>
+          </a:fontRef>
+        </p:style>
+        <p:txBody>
+          <a:bodyPr rtlCol="0" anchor="ctr"/>
+          <a:lstStyle/>
+          <a:p>
+            <a:pPr algn="ctr"/>
+            <a:endParaRPr lang="en-US"/>
+          </a:p>
+        </p:txBody>
+      </p:sp>
+      <p:sp>
+        <p:nvSpPr>
           <p:cNvPr id="2" name="Title 1"/>
           <p:cNvSpPr>
             <a:spLocks noGrp="1"/>
@@ -3622,27 +3892,85 @@
             <p:ph type="title"/>
           </p:nvPr>
         </p:nvSpPr>
-        <p:spPr/>
-        <p:txBody>
-          <a:bodyPr/>
-          <a:lstStyle/>
-          <a:p>
-            <a:r>
-              <a:rPr lang="en-US" u="sng" dirty="0" smtClean="0">
+        <p:spPr>
+          <a:xfrm>
+            <a:off x="838200" y="963877"/>
+            <a:ext cx="3494362" cy="4930246"/>
+          </a:xfrm>
+        </p:spPr>
+        <p:txBody>
+          <a:bodyPr>
+            <a:normAutofit/>
+          </a:bodyPr>
+          <a:lstStyle/>
+          <a:p>
+            <a:pPr algn="r"/>
+            <a:r>
+              <a:rPr lang="en-US">
                 <a:solidFill>
-                  <a:srgbClr val="00B0F0"/>
+                  <a:schemeClr val="accent1"/>
                 </a:solidFill>
               </a:rPr>
-              <a:t>Subjects</a:t>
-            </a:r>
-            <a:endParaRPr lang="en-US" u="sng" dirty="0">
-              <a:solidFill>
-                <a:srgbClr val="00B0F0"/>
-              </a:solidFill>
-            </a:endParaRPr>
-          </a:p>
-        </p:txBody>
-      </p:sp>
+              <a:t>Composability</a:t>
+            </a:r>
+          </a:p>
+        </p:txBody>
+      </p:sp>
+      <p:cxnSp>
+        <p:nvCxnSpPr>
+          <p:cNvPr id="10" name="Straight Connector 9">
+            <a:extLst>
+              <a:ext uri="{FF2B5EF4-FFF2-40B4-BE49-F238E27FC236}">
+                <a16:creationId xmlns:a16="http://schemas.microsoft.com/office/drawing/2014/main" xmlns="" id="{2D72A2C9-F3CA-4216-8BAD-FA4C970C3C4E}"/>
+              </a:ext>
+              <a:ext uri="{C183D7F6-B498-43B3-948B-1728B52AA6E4}">
+                <adec:decorative xmlns:adec="http://schemas.microsoft.com/office/drawing/2017/decorative" xmlns="" val="1"/>
+              </a:ext>
+            </a:extLst>
+          </p:cNvPr>
+          <p:cNvCxnSpPr>
+            <a:cxnSpLocks noGrp="1" noRot="1" noChangeAspect="1" noMove="1" noResize="1" noEditPoints="1" noAdjustHandles="1" noChangeArrowheads="1" noChangeShapeType="1"/>
+          </p:cNvCxnSpPr>
+          <p:nvPr>
+            <p:extLst>
+              <p:ext uri="{386F3935-93C4-4BCD-93E2-E3B085C9AB24}">
+                <p16:designElem xmlns:p16="http://schemas.microsoft.com/office/powerpoint/2015/main" val="1"/>
+              </p:ext>
+            </p:extLst>
+          </p:nvPr>
+        </p:nvCxnSpPr>
+        <p:spPr>
+          <a:xfrm>
+            <a:off x="4654296" y="2057400"/>
+            <a:ext cx="0" cy="2743200"/>
+          </a:xfrm>
+          <a:prstGeom prst="line">
+            <a:avLst/>
+          </a:prstGeom>
+          <a:ln w="19050">
+            <a:solidFill>
+              <a:schemeClr val="tx1">
+                <a:lumMod val="85000"/>
+                <a:lumOff val="15000"/>
+              </a:schemeClr>
+            </a:solidFill>
+          </a:ln>
+        </p:spPr>
+        <p:style>
+          <a:lnRef idx="1">
+            <a:schemeClr val="accent1"/>
+          </a:lnRef>
+          <a:fillRef idx="0">
+            <a:schemeClr val="accent1"/>
+          </a:fillRef>
+          <a:effectRef idx="0">
+            <a:schemeClr val="accent1"/>
+          </a:effectRef>
+          <a:fontRef idx="minor">
+            <a:schemeClr val="tx1"/>
+          </a:fontRef>
+        </p:style>
+      </p:cxnSp>
       <p:sp>
         <p:nvSpPr>
           <p:cNvPr id="3" name="Content Placeholder 2"/>
@@ -3653,32 +3981,47 @@
             <p:ph idx="1"/>
           </p:nvPr>
         </p:nvSpPr>
-        <p:spPr/>
-        <p:txBody>
-          <a:bodyPr/>
-          <a:lstStyle/>
-          <a:p>
-            <a:r>
-              <a:rPr lang="en-US" dirty="0" smtClean="0"/>
-              <a:t>Publish Subject</a:t>
-            </a:r>
-          </a:p>
-          <a:p>
-            <a:endParaRPr lang="en-US" dirty="0"/>
-          </a:p>
-          <a:p>
-            <a:r>
-              <a:rPr lang="en-US" dirty="0" smtClean="0"/>
-              <a:t>Behavior Subject</a:t>
-            </a:r>
-            <a:endParaRPr lang="en-US" dirty="0"/>
+        <p:spPr>
+          <a:xfrm>
+            <a:off x="4976031" y="963877"/>
+            <a:ext cx="6377769" cy="4930246"/>
+          </a:xfrm>
+        </p:spPr>
+        <p:txBody>
+          <a:bodyPr anchor="ctr">
+            <a:normAutofit/>
+          </a:bodyPr>
+          <a:lstStyle/>
+          <a:p>
+            <a:r>
+              <a:rPr lang="en-US" sz="2400"/>
+              <a:t>FlatMap</a:t>
+            </a:r>
+          </a:p>
+          <a:p>
+            <a:endParaRPr lang="en-US" sz="2400"/>
+          </a:p>
+          <a:p>
+            <a:r>
+              <a:rPr lang="en-US" sz="2400"/>
+              <a:t>Merge</a:t>
+            </a:r>
+          </a:p>
+          <a:p>
+            <a:endParaRPr lang="en-US" sz="2400"/>
+          </a:p>
+          <a:p>
+            <a:r>
+              <a:rPr lang="en-US" sz="2400"/>
+              <a:t>Zip</a:t>
+            </a:r>
           </a:p>
         </p:txBody>
       </p:sp>
     </p:spTree>
     <p:extLst>
       <p:ext uri="{BB962C8B-B14F-4D97-AF65-F5344CB8AC3E}">
-        <p14:creationId xmlns:p14="http://schemas.microsoft.com/office/powerpoint/2010/main" val="586893215"/>
+        <p14:creationId xmlns:p14="http://schemas.microsoft.com/office/powerpoint/2010/main" val="3296204016"/>
       </p:ext>
     </p:extLst>
   </p:cSld>
@@ -3688,9 +4031,17 @@
 </p:sld>
 </file>
 
-<file path=ppt/slides/slide2.xml><?xml version="1.0" encoding="utf-8"?>
+<file path=ppt/slides/slide13.xml><?xml version="1.0" encoding="utf-8"?>
 <p:sld xmlns:a="http://schemas.openxmlformats.org/drawingml/2006/main" xmlns:r="http://schemas.openxmlformats.org/officeDocument/2006/relationships" xmlns:p="http://schemas.openxmlformats.org/presentationml/2006/main">
   <p:cSld>
+    <p:bg>
+      <p:bgPr>
+        <a:solidFill>
+          <a:schemeClr val="bg1"/>
+        </a:solidFill>
+        <a:effectLst/>
+      </p:bgPr>
+    </p:bg>
     <p:spTree>
       <p:nvGrpSpPr>
         <p:cNvPr id="1" name=""/>
@@ -3707,6 +4058,71 @@
       </p:grpSpPr>
       <p:sp>
         <p:nvSpPr>
+          <p:cNvPr id="8" name="Rectangle 7">
+            <a:extLst>
+              <a:ext uri="{FF2B5EF4-FFF2-40B4-BE49-F238E27FC236}">
+                <a16:creationId xmlns:a16="http://schemas.microsoft.com/office/drawing/2014/main" xmlns="" id="{8D70B121-56F4-4848-B38B-182089D909FA}"/>
+              </a:ext>
+              <a:ext uri="{C183D7F6-B498-43B3-948B-1728B52AA6E4}">
+                <adec:decorative xmlns:adec="http://schemas.microsoft.com/office/drawing/2017/decorative" xmlns="" val="1"/>
+              </a:ext>
+            </a:extLst>
+          </p:cNvPr>
+          <p:cNvSpPr>
+            <a:spLocks noGrp="1" noRot="1" noChangeAspect="1" noMove="1" noResize="1" noEditPoints="1" noAdjustHandles="1" noChangeArrowheads="1" noChangeShapeType="1" noTextEdit="1"/>
+          </p:cNvSpPr>
+          <p:nvPr>
+            <p:extLst>
+              <p:ext uri="{386F3935-93C4-4BCD-93E2-E3B085C9AB24}">
+                <p16:designElem xmlns:p16="http://schemas.microsoft.com/office/powerpoint/2015/main" val="1"/>
+              </p:ext>
+            </p:extLst>
+          </p:nvPr>
+        </p:nvSpPr>
+        <p:spPr bwMode="ltGray">
+          <a:xfrm>
+            <a:off x="321564" y="320040"/>
+            <a:ext cx="11548872" cy="6217920"/>
+          </a:xfrm>
+          <a:prstGeom prst="rect">
+            <a:avLst/>
+          </a:prstGeom>
+          <a:solidFill>
+            <a:schemeClr val="tx1">
+              <a:alpha val="8000"/>
+            </a:schemeClr>
+          </a:solidFill>
+          <a:ln w="127000" cap="sq" cmpd="thinThick">
+            <a:noFill/>
+          </a:ln>
+        </p:spPr>
+        <p:style>
+          <a:lnRef idx="2">
+            <a:schemeClr val="accent1">
+              <a:shade val="50000"/>
+            </a:schemeClr>
+          </a:lnRef>
+          <a:fillRef idx="1">
+            <a:schemeClr val="accent1"/>
+          </a:fillRef>
+          <a:effectRef idx="0">
+            <a:schemeClr val="accent1"/>
+          </a:effectRef>
+          <a:fontRef idx="minor">
+            <a:schemeClr val="lt1"/>
+          </a:fontRef>
+        </p:style>
+        <p:txBody>
+          <a:bodyPr rtlCol="0" anchor="ctr"/>
+          <a:lstStyle/>
+          <a:p>
+            <a:pPr algn="ctr"/>
+            <a:endParaRPr lang="en-US"/>
+          </a:p>
+        </p:txBody>
+      </p:sp>
+      <p:sp>
+        <p:nvSpPr>
           <p:cNvPr id="2" name="Title 1"/>
           <p:cNvSpPr>
             <a:spLocks noGrp="1"/>
@@ -3715,27 +4131,85 @@
             <p:ph type="title"/>
           </p:nvPr>
         </p:nvSpPr>
-        <p:spPr/>
-        <p:txBody>
-          <a:bodyPr/>
-          <a:lstStyle/>
-          <a:p>
-            <a:r>
-              <a:rPr lang="en-US" u="sng" dirty="0" smtClean="0">
+        <p:spPr>
+          <a:xfrm>
+            <a:off x="838200" y="963877"/>
+            <a:ext cx="3494362" cy="4930246"/>
+          </a:xfrm>
+        </p:spPr>
+        <p:txBody>
+          <a:bodyPr>
+            <a:normAutofit/>
+          </a:bodyPr>
+          <a:lstStyle/>
+          <a:p>
+            <a:pPr algn="r"/>
+            <a:r>
+              <a:rPr lang="en-US">
                 <a:solidFill>
-                  <a:srgbClr val="00B0F0"/>
+                  <a:schemeClr val="accent1"/>
                 </a:solidFill>
               </a:rPr>
-              <a:t>Topics</a:t>
-            </a:r>
-            <a:endParaRPr lang="en-US" u="sng" dirty="0">
-              <a:solidFill>
-                <a:srgbClr val="00B0F0"/>
-              </a:solidFill>
-            </a:endParaRPr>
-          </a:p>
-        </p:txBody>
-      </p:sp>
+              <a:t>Subjects</a:t>
+            </a:r>
+          </a:p>
+        </p:txBody>
+      </p:sp>
+      <p:cxnSp>
+        <p:nvCxnSpPr>
+          <p:cNvPr id="10" name="Straight Connector 9">
+            <a:extLst>
+              <a:ext uri="{FF2B5EF4-FFF2-40B4-BE49-F238E27FC236}">
+                <a16:creationId xmlns:a16="http://schemas.microsoft.com/office/drawing/2014/main" xmlns="" id="{2D72A2C9-F3CA-4216-8BAD-FA4C970C3C4E}"/>
+              </a:ext>
+              <a:ext uri="{C183D7F6-B498-43B3-948B-1728B52AA6E4}">
+                <adec:decorative xmlns:adec="http://schemas.microsoft.com/office/drawing/2017/decorative" xmlns="" val="1"/>
+              </a:ext>
+            </a:extLst>
+          </p:cNvPr>
+          <p:cNvCxnSpPr>
+            <a:cxnSpLocks noGrp="1" noRot="1" noChangeAspect="1" noMove="1" noResize="1" noEditPoints="1" noAdjustHandles="1" noChangeArrowheads="1" noChangeShapeType="1"/>
+          </p:cNvCxnSpPr>
+          <p:nvPr>
+            <p:extLst>
+              <p:ext uri="{386F3935-93C4-4BCD-93E2-E3B085C9AB24}">
+                <p16:designElem xmlns:p16="http://schemas.microsoft.com/office/powerpoint/2015/main" val="1"/>
+              </p:ext>
+            </p:extLst>
+          </p:nvPr>
+        </p:nvCxnSpPr>
+        <p:spPr>
+          <a:xfrm>
+            <a:off x="4654296" y="2057400"/>
+            <a:ext cx="0" cy="2743200"/>
+          </a:xfrm>
+          <a:prstGeom prst="line">
+            <a:avLst/>
+          </a:prstGeom>
+          <a:ln w="19050">
+            <a:solidFill>
+              <a:schemeClr val="tx1">
+                <a:lumMod val="85000"/>
+                <a:lumOff val="15000"/>
+              </a:schemeClr>
+            </a:solidFill>
+          </a:ln>
+        </p:spPr>
+        <p:style>
+          <a:lnRef idx="1">
+            <a:schemeClr val="accent1"/>
+          </a:lnRef>
+          <a:fillRef idx="0">
+            <a:schemeClr val="accent1"/>
+          </a:fillRef>
+          <a:effectRef idx="0">
+            <a:schemeClr val="accent1"/>
+          </a:effectRef>
+          <a:fontRef idx="minor">
+            <a:schemeClr val="tx1"/>
+          </a:fontRef>
+        </p:style>
+      </p:cxnSp>
       <p:sp>
         <p:nvSpPr>
           <p:cNvPr id="3" name="Content Placeholder 2"/>
@@ -3746,55 +4220,38 @@
             <p:ph idx="1"/>
           </p:nvPr>
         </p:nvSpPr>
-        <p:spPr/>
-        <p:txBody>
-          <a:bodyPr/>
-          <a:lstStyle/>
-          <a:p>
-            <a:r>
-              <a:rPr lang="en-US" dirty="0" smtClean="0"/>
-              <a:t>Revisit Publisher/Subscriber</a:t>
-            </a:r>
-            <a:endParaRPr lang="en-US" dirty="0"/>
-          </a:p>
-          <a:p>
-            <a:r>
-              <a:rPr lang="en-US" dirty="0" smtClean="0"/>
-              <a:t>Subscriber/Observer Interfaces</a:t>
-            </a:r>
-            <a:endParaRPr lang="en-US" dirty="0"/>
-          </a:p>
-          <a:p>
-            <a:r>
-              <a:rPr lang="en-US" dirty="0" smtClean="0"/>
-              <a:t>Operators</a:t>
-            </a:r>
-          </a:p>
-          <a:p>
-            <a:r>
-              <a:rPr lang="en-US" dirty="0" smtClean="0"/>
-              <a:t>Asynchronous/Concurrency</a:t>
-            </a:r>
-          </a:p>
-          <a:p>
-            <a:r>
-              <a:rPr lang="en-US" dirty="0" smtClean="0"/>
-              <a:t>Flow Control</a:t>
-            </a:r>
-          </a:p>
-          <a:p>
-            <a:r>
-              <a:rPr lang="en-US" dirty="0" smtClean="0"/>
-              <a:t>Subjects</a:t>
-            </a:r>
-            <a:endParaRPr lang="en-US" dirty="0"/>
+        <p:spPr>
+          <a:xfrm>
+            <a:off x="4976031" y="963877"/>
+            <a:ext cx="6377769" cy="4930246"/>
+          </a:xfrm>
+        </p:spPr>
+        <p:txBody>
+          <a:bodyPr anchor="ctr">
+            <a:normAutofit/>
+          </a:bodyPr>
+          <a:lstStyle/>
+          <a:p>
+            <a:r>
+              <a:rPr lang="en-US" sz="2400"/>
+              <a:t>Publish Subject</a:t>
+            </a:r>
+          </a:p>
+          <a:p>
+            <a:endParaRPr lang="en-US" sz="2400"/>
+          </a:p>
+          <a:p>
+            <a:r>
+              <a:rPr lang="en-US" sz="2400"/>
+              <a:t>Behavior Subject</a:t>
+            </a:r>
           </a:p>
         </p:txBody>
       </p:sp>
     </p:spTree>
     <p:extLst>
       <p:ext uri="{BB962C8B-B14F-4D97-AF65-F5344CB8AC3E}">
-        <p14:creationId xmlns:p14="http://schemas.microsoft.com/office/powerpoint/2010/main" val="1866413553"/>
+        <p14:creationId xmlns:p14="http://schemas.microsoft.com/office/powerpoint/2010/main" val="2213694592"/>
       </p:ext>
     </p:extLst>
   </p:cSld>
@@ -3804,9 +4261,17 @@
 </p:sld>
 </file>
 
-<file path=ppt/slides/slide3.xml><?xml version="1.0" encoding="utf-8"?>
+<file path=ppt/slides/slide2.xml><?xml version="1.0" encoding="utf-8"?>
 <p:sld xmlns:a="http://schemas.openxmlformats.org/drawingml/2006/main" xmlns:r="http://schemas.openxmlformats.org/officeDocument/2006/relationships" xmlns:p="http://schemas.openxmlformats.org/presentationml/2006/main">
   <p:cSld>
+    <p:bg>
+      <p:bgPr>
+        <a:solidFill>
+          <a:schemeClr val="bg1"/>
+        </a:solidFill>
+        <a:effectLst/>
+      </p:bgPr>
+    </p:bg>
     <p:spTree>
       <p:nvGrpSpPr>
         <p:cNvPr id="1" name=""/>
@@ -3823,93 +4288,226 @@
       </p:grpSpPr>
       <p:sp>
         <p:nvSpPr>
-          <p:cNvPr id="2" name="Title 1"/>
-          <p:cNvSpPr>
-            <a:spLocks noGrp="1"/>
-          </p:cNvSpPr>
-          <p:nvPr>
-            <p:ph type="title"/>
-          </p:nvPr>
-        </p:nvSpPr>
-        <p:spPr/>
-        <p:txBody>
-          <a:bodyPr/>
-          <a:lstStyle/>
-          <a:p>
-            <a:r>
-              <a:rPr lang="en-US" u="sng" dirty="0" smtClean="0">
-                <a:solidFill>
-                  <a:srgbClr val="00B0F0"/>
-                </a:solidFill>
-              </a:rPr>
-              <a:t>Revisit Publisher/Subscriber</a:t>
-            </a:r>
-            <a:endParaRPr lang="en-US" u="sng" dirty="0">
-              <a:solidFill>
-                <a:srgbClr val="00B0F0"/>
-              </a:solidFill>
-            </a:endParaRPr>
-          </a:p>
-        </p:txBody>
-      </p:sp>
-      <p:sp>
-        <p:nvSpPr>
-          <p:cNvPr id="3" name="Content Placeholder 2"/>
-          <p:cNvSpPr>
-            <a:spLocks noGrp="1"/>
-          </p:cNvSpPr>
-          <p:nvPr>
-            <p:ph idx="1"/>
-          </p:nvPr>
-        </p:nvSpPr>
-        <p:spPr/>
-        <p:txBody>
-          <a:bodyPr/>
-          <a:lstStyle/>
-          <a:p>
-            <a:pPr lvl="1"/>
-            <a:endParaRPr lang="en-US" dirty="0" smtClean="0"/>
-          </a:p>
-          <a:p>
-            <a:pPr lvl="1"/>
-            <a:endParaRPr lang="en-US" dirty="0"/>
-          </a:p>
-        </p:txBody>
-      </p:sp>
-      <p:pic>
-        <p:nvPicPr>
-          <p:cNvPr id="4" name="Picture 3"/>
-          <p:cNvPicPr>
-            <a:picLocks noChangeAspect="1"/>
-          </p:cNvPicPr>
-          <p:nvPr/>
-        </p:nvPicPr>
-        <p:blipFill>
-          <a:blip r:embed="rId2">
+          <p:cNvPr id="8" name="Rectangle 7">
             <a:extLst>
-              <a:ext uri="{28A0092B-C50C-407E-A947-70E740481C1C}">
-                <a14:useLocalDpi xmlns:a14="http://schemas.microsoft.com/office/drawing/2010/main" val="0"/>
+              <a:ext uri="{FF2B5EF4-FFF2-40B4-BE49-F238E27FC236}">
+                <a16:creationId xmlns="" xmlns:a16="http://schemas.microsoft.com/office/drawing/2014/main" id="{8D70B121-56F4-4848-B38B-182089D909FA}"/>
+              </a:ext>
+              <a:ext uri="{C183D7F6-B498-43B3-948B-1728B52AA6E4}">
+                <adec:decorative xmlns="" xmlns:adec="http://schemas.microsoft.com/office/drawing/2017/decorative" val="1"/>
               </a:ext>
             </a:extLst>
-          </a:blip>
-          <a:stretch>
-            <a:fillRect/>
-          </a:stretch>
-        </p:blipFill>
-        <p:spPr>
+          </p:cNvPr>
+          <p:cNvSpPr>
+            <a:spLocks noGrp="1" noRot="1" noChangeAspect="1" noMove="1" noResize="1" noEditPoints="1" noAdjustHandles="1" noChangeArrowheads="1" noChangeShapeType="1" noTextEdit="1"/>
+          </p:cNvSpPr>
+          <p:nvPr>
+            <p:extLst>
+              <p:ext uri="{386F3935-93C4-4BCD-93E2-E3B085C9AB24}">
+                <p16:designElem xmlns:p16="http://schemas.microsoft.com/office/powerpoint/2015/main" val="1"/>
+              </p:ext>
+            </p:extLst>
+          </p:nvPr>
+        </p:nvSpPr>
+        <p:spPr bwMode="ltGray">
           <a:xfrm>
-            <a:off x="960699" y="1954513"/>
-            <a:ext cx="9664861" cy="3853228"/>
+            <a:off x="321564" y="320040"/>
+            <a:ext cx="11548872" cy="6217920"/>
           </a:xfrm>
           <a:prstGeom prst="rect">
             <a:avLst/>
           </a:prstGeom>
+          <a:solidFill>
+            <a:schemeClr val="tx1">
+              <a:alpha val="8000"/>
+            </a:schemeClr>
+          </a:solidFill>
+          <a:ln w="127000" cap="sq" cmpd="thinThick">
+            <a:noFill/>
+          </a:ln>
         </p:spPr>
-      </p:pic>
+        <p:style>
+          <a:lnRef idx="2">
+            <a:schemeClr val="accent1">
+              <a:shade val="50000"/>
+            </a:schemeClr>
+          </a:lnRef>
+          <a:fillRef idx="1">
+            <a:schemeClr val="accent1"/>
+          </a:fillRef>
+          <a:effectRef idx="0">
+            <a:schemeClr val="accent1"/>
+          </a:effectRef>
+          <a:fontRef idx="minor">
+            <a:schemeClr val="lt1"/>
+          </a:fontRef>
+        </p:style>
+        <p:txBody>
+          <a:bodyPr rtlCol="0" anchor="ctr"/>
+          <a:lstStyle/>
+          <a:p>
+            <a:pPr algn="ctr"/>
+            <a:endParaRPr lang="en-US"/>
+          </a:p>
+        </p:txBody>
+      </p:sp>
+      <p:sp>
+        <p:nvSpPr>
+          <p:cNvPr id="2" name="Title 1"/>
+          <p:cNvSpPr>
+            <a:spLocks noGrp="1"/>
+          </p:cNvSpPr>
+          <p:nvPr>
+            <p:ph type="title"/>
+          </p:nvPr>
+        </p:nvSpPr>
+        <p:spPr>
+          <a:xfrm>
+            <a:off x="838200" y="963877"/>
+            <a:ext cx="3494362" cy="4930246"/>
+          </a:xfrm>
+        </p:spPr>
+        <p:txBody>
+          <a:bodyPr>
+            <a:normAutofit/>
+          </a:bodyPr>
+          <a:lstStyle/>
+          <a:p>
+            <a:pPr algn="r"/>
+            <a:r>
+              <a:rPr lang="en-US" u="sng">
+                <a:solidFill>
+                  <a:schemeClr val="accent1"/>
+                </a:solidFill>
+              </a:rPr>
+              <a:t>Topics</a:t>
+            </a:r>
+          </a:p>
+        </p:txBody>
+      </p:sp>
+      <p:cxnSp>
+        <p:nvCxnSpPr>
+          <p:cNvPr id="10" name="Straight Connector 9">
+            <a:extLst>
+              <a:ext uri="{FF2B5EF4-FFF2-40B4-BE49-F238E27FC236}">
+                <a16:creationId xmlns="" xmlns:a16="http://schemas.microsoft.com/office/drawing/2014/main" id="{2D72A2C9-F3CA-4216-8BAD-FA4C970C3C4E}"/>
+              </a:ext>
+              <a:ext uri="{C183D7F6-B498-43B3-948B-1728B52AA6E4}">
+                <adec:decorative xmlns="" xmlns:adec="http://schemas.microsoft.com/office/drawing/2017/decorative" val="1"/>
+              </a:ext>
+            </a:extLst>
+          </p:cNvPr>
+          <p:cNvCxnSpPr>
+            <a:cxnSpLocks noGrp="1" noRot="1" noChangeAspect="1" noMove="1" noResize="1" noEditPoints="1" noAdjustHandles="1" noChangeArrowheads="1" noChangeShapeType="1"/>
+          </p:cNvCxnSpPr>
+          <p:nvPr>
+            <p:extLst>
+              <p:ext uri="{386F3935-93C4-4BCD-93E2-E3B085C9AB24}">
+                <p16:designElem xmlns:p16="http://schemas.microsoft.com/office/powerpoint/2015/main" val="1"/>
+              </p:ext>
+            </p:extLst>
+          </p:nvPr>
+        </p:nvCxnSpPr>
+        <p:spPr>
+          <a:xfrm>
+            <a:off x="4654296" y="2057400"/>
+            <a:ext cx="0" cy="2743200"/>
+          </a:xfrm>
+          <a:prstGeom prst="line">
+            <a:avLst/>
+          </a:prstGeom>
+          <a:ln w="19050">
+            <a:solidFill>
+              <a:schemeClr val="tx1">
+                <a:lumMod val="85000"/>
+                <a:lumOff val="15000"/>
+              </a:schemeClr>
+            </a:solidFill>
+          </a:ln>
+        </p:spPr>
+        <p:style>
+          <a:lnRef idx="1">
+            <a:schemeClr val="accent1"/>
+          </a:lnRef>
+          <a:fillRef idx="0">
+            <a:schemeClr val="accent1"/>
+          </a:fillRef>
+          <a:effectRef idx="0">
+            <a:schemeClr val="accent1"/>
+          </a:effectRef>
+          <a:fontRef idx="minor">
+            <a:schemeClr val="tx1"/>
+          </a:fontRef>
+        </p:style>
+      </p:cxnSp>
+      <p:sp>
+        <p:nvSpPr>
+          <p:cNvPr id="3" name="Content Placeholder 2"/>
+          <p:cNvSpPr>
+            <a:spLocks noGrp="1"/>
+          </p:cNvSpPr>
+          <p:nvPr>
+            <p:ph idx="1"/>
+          </p:nvPr>
+        </p:nvSpPr>
+        <p:spPr>
+          <a:xfrm>
+            <a:off x="4976031" y="963877"/>
+            <a:ext cx="6377769" cy="4930246"/>
+          </a:xfrm>
+        </p:spPr>
+        <p:txBody>
+          <a:bodyPr anchor="ctr">
+            <a:normAutofit/>
+          </a:bodyPr>
+          <a:lstStyle/>
+          <a:p>
+            <a:r>
+              <a:rPr lang="en-US" sz="2400" dirty="0"/>
+              <a:t>Revisit Publisher/Subscriber</a:t>
+            </a:r>
+          </a:p>
+          <a:p>
+            <a:r>
+              <a:rPr lang="en-US" sz="2400" dirty="0"/>
+              <a:t>Subscriber/Observer Interfaces</a:t>
+            </a:r>
+          </a:p>
+          <a:p>
+            <a:r>
+              <a:rPr lang="en-US" sz="2400" dirty="0" smtClean="0"/>
+              <a:t>Asynchronous/Concurrency</a:t>
+            </a:r>
+            <a:endParaRPr lang="en-US" sz="2400" dirty="0"/>
+          </a:p>
+          <a:p>
+            <a:r>
+              <a:rPr lang="en-US" sz="2400" dirty="0"/>
+              <a:t>Operators</a:t>
+            </a:r>
+          </a:p>
+          <a:p>
+            <a:r>
+              <a:rPr lang="en-US" sz="2400" dirty="0" smtClean="0"/>
+              <a:t>Flow </a:t>
+            </a:r>
+            <a:r>
+              <a:rPr lang="en-US" sz="2400" dirty="0"/>
+              <a:t>Control</a:t>
+            </a:r>
+          </a:p>
+          <a:p>
+            <a:r>
+              <a:rPr lang="en-US" sz="2400" dirty="0"/>
+              <a:t>Subjects</a:t>
+            </a:r>
+          </a:p>
+        </p:txBody>
+      </p:sp>
     </p:spTree>
     <p:extLst>
       <p:ext uri="{BB962C8B-B14F-4D97-AF65-F5344CB8AC3E}">
-        <p14:creationId xmlns:p14="http://schemas.microsoft.com/office/powerpoint/2010/main" val="14718316"/>
+        <p14:creationId xmlns:p14="http://schemas.microsoft.com/office/powerpoint/2010/main" val="2558678303"/>
       </p:ext>
     </p:extLst>
   </p:cSld>
@@ -3919,9 +4517,17 @@
 </p:sld>
 </file>
 
-<file path=ppt/slides/slide4.xml><?xml version="1.0" encoding="utf-8"?>
+<file path=ppt/slides/slide3.xml><?xml version="1.0" encoding="utf-8"?>
 <p:sld xmlns:a="http://schemas.openxmlformats.org/drawingml/2006/main" xmlns:r="http://schemas.openxmlformats.org/officeDocument/2006/relationships" xmlns:p="http://schemas.openxmlformats.org/presentationml/2006/main">
   <p:cSld>
+    <p:bg>
+      <p:bgPr>
+        <a:solidFill>
+          <a:schemeClr val="bg1"/>
+        </a:solidFill>
+        <a:effectLst/>
+      </p:bgPr>
+    </p:bg>
     <p:spTree>
       <p:nvGrpSpPr>
         <p:cNvPr id="1" name=""/>
@@ -3938,6 +4544,98 @@
       </p:grpSpPr>
       <p:sp>
         <p:nvSpPr>
+          <p:cNvPr id="16" name="Rectangle 15">
+            <a:extLst>
+              <a:ext uri="{FF2B5EF4-FFF2-40B4-BE49-F238E27FC236}">
+                <a16:creationId xmlns:a16="http://schemas.microsoft.com/office/drawing/2014/main" xmlns="" id="{42A5316D-ED2F-4F89-B4B4-8D9240B1A348}"/>
+              </a:ext>
+              <a:ext uri="{C183D7F6-B498-43B3-948B-1728B52AA6E4}">
+                <adec:decorative xmlns:adec="http://schemas.microsoft.com/office/drawing/2017/decorative" xmlns="" val="1"/>
+              </a:ext>
+            </a:extLst>
+          </p:cNvPr>
+          <p:cNvSpPr>
+            <a:spLocks noGrp="1" noRot="1" noChangeAspect="1" noMove="1" noResize="1" noEditPoints="1" noAdjustHandles="1" noChangeArrowheads="1" noChangeShapeType="1" noTextEdit="1"/>
+          </p:cNvSpPr>
+          <p:nvPr>
+            <p:extLst>
+              <p:ext uri="{386F3935-93C4-4BCD-93E2-E3B085C9AB24}">
+                <p16:designElem xmlns:p16="http://schemas.microsoft.com/office/powerpoint/2015/main" val="1"/>
+              </p:ext>
+            </p:extLst>
+          </p:nvPr>
+        </p:nvSpPr>
+        <p:spPr>
+          <a:xfrm>
+            <a:off x="0" y="0"/>
+            <a:ext cx="2013557" cy="6858000"/>
+          </a:xfrm>
+          <a:prstGeom prst="rect">
+            <a:avLst/>
+          </a:prstGeom>
+          <a:solidFill>
+            <a:srgbClr val="7F7F7F"/>
+          </a:solidFill>
+          <a:ln>
+            <a:noFill/>
+          </a:ln>
+        </p:spPr>
+        <p:style>
+          <a:lnRef idx="2">
+            <a:schemeClr val="accent1">
+              <a:shade val="50000"/>
+            </a:schemeClr>
+          </a:lnRef>
+          <a:fillRef idx="1">
+            <a:schemeClr val="accent1"/>
+          </a:fillRef>
+          <a:effectRef idx="0">
+            <a:schemeClr val="accent1"/>
+          </a:effectRef>
+          <a:fontRef idx="minor">
+            <a:schemeClr val="lt1"/>
+          </a:fontRef>
+        </p:style>
+        <p:txBody>
+          <a:bodyPr rtlCol="0" anchor="ctr"/>
+          <a:lstStyle/>
+          <a:p>
+            <a:pPr marL="0" marR="0" lvl="0" indent="0" algn="ctr" defTabSz="914400" rtl="0" eaLnBrk="1" fontAlgn="auto" latinLnBrk="0" hangingPunct="1">
+              <a:lnSpc>
+                <a:spcPct val="100000"/>
+              </a:lnSpc>
+              <a:spcBef>
+                <a:spcPts val="0"/>
+              </a:spcBef>
+              <a:spcAft>
+                <a:spcPts val="0"/>
+              </a:spcAft>
+              <a:buClrTx/>
+              <a:buSzTx/>
+              <a:buFontTx/>
+              <a:buNone/>
+              <a:tabLst/>
+              <a:defRPr/>
+            </a:pPr>
+            <a:endParaRPr kumimoji="0" lang="en-US" sz="1800" b="0" i="0" u="none" strike="noStrike" kern="1200" cap="none" spc="0" normalizeH="0" baseline="0" noProof="0">
+              <a:ln>
+                <a:noFill/>
+              </a:ln>
+              <a:solidFill>
+                <a:prstClr val="white"/>
+              </a:solidFill>
+              <a:effectLst/>
+              <a:uLnTx/>
+              <a:uFillTx/>
+              <a:latin typeface="Calibri" panose="020F0502020204030204"/>
+              <a:ea typeface="+mn-ea"/>
+              <a:cs typeface="+mn-cs"/>
+            </a:endParaRPr>
+          </a:p>
+        </p:txBody>
+      </p:sp>
+      <p:sp>
+        <p:nvSpPr>
           <p:cNvPr id="2" name="Title 1"/>
           <p:cNvSpPr>
             <a:spLocks noGrp="1"/>
@@ -3946,20 +4644,163 @@
             <p:ph type="title"/>
           </p:nvPr>
         </p:nvSpPr>
+        <p:spPr>
+          <a:xfrm>
+            <a:off x="641957" y="1770736"/>
+            <a:ext cx="2743200" cy="2743200"/>
+          </a:xfrm>
+          <a:prstGeom prst="ellipse">
+            <a:avLst/>
+          </a:prstGeom>
+          <a:solidFill>
+            <a:srgbClr val="262626"/>
+          </a:solidFill>
+          <a:ln w="174625" cmpd="thinThick">
+            <a:solidFill>
+              <a:srgbClr val="262626"/>
+            </a:solidFill>
+          </a:ln>
+        </p:spPr>
+        <p:txBody>
+          <a:bodyPr>
+            <a:normAutofit/>
+          </a:bodyPr>
+          <a:lstStyle/>
+          <a:p>
+            <a:pPr algn="ctr"/>
+            <a:r>
+              <a:rPr lang="en-US" sz="1600">
+                <a:solidFill>
+                  <a:srgbClr val="FFFFFF"/>
+                </a:solidFill>
+              </a:rPr>
+              <a:t>Revisit Publisher/Subscriber</a:t>
+            </a:r>
+          </a:p>
+        </p:txBody>
+      </p:sp>
+      <p:pic>
+        <p:nvPicPr>
+          <p:cNvPr id="4" name="Picture 3"/>
+          <p:cNvPicPr>
+            <a:picLocks noChangeAspect="1"/>
+          </p:cNvPicPr>
+          <p:nvPr/>
+        </p:nvPicPr>
+        <p:blipFill rotWithShape="1">
+          <a:blip r:embed="rId2">
+            <a:extLst>
+              <a:ext uri="{28A0092B-C50C-407E-A947-70E740481C1C}">
+                <a14:useLocalDpi xmlns:a14="http://schemas.microsoft.com/office/drawing/2010/main" val="0"/>
+              </a:ext>
+            </a:extLst>
+          </a:blip>
+          <a:srcRect t="1231" b="2470"/>
+          <a:stretch/>
+        </p:blipFill>
+        <p:spPr>
+          <a:xfrm>
+            <a:off x="4038600" y="1766556"/>
+            <a:ext cx="7188199" cy="2751560"/>
+          </a:xfrm>
+          <a:prstGeom prst="rect">
+            <a:avLst/>
+          </a:prstGeom>
+        </p:spPr>
+      </p:pic>
+      <p:sp>
+        <p:nvSpPr>
+          <p:cNvPr id="3" name="Content Placeholder 2"/>
+          <p:cNvSpPr>
+            <a:spLocks noGrp="1"/>
+          </p:cNvSpPr>
+          <p:nvPr>
+            <p:ph idx="1"/>
+          </p:nvPr>
+        </p:nvSpPr>
+        <p:spPr>
+          <a:xfrm>
+            <a:off x="4038600" y="4884873"/>
+            <a:ext cx="7188199" cy="1292090"/>
+          </a:xfrm>
+        </p:spPr>
+        <p:txBody>
+          <a:bodyPr>
+            <a:normAutofit/>
+          </a:bodyPr>
+          <a:lstStyle/>
+          <a:p>
+            <a:pPr lvl="1"/>
+            <a:endParaRPr lang="en-US" sz="1800"/>
+          </a:p>
+          <a:p>
+            <a:pPr lvl="1"/>
+            <a:endParaRPr lang="en-US" sz="1800"/>
+          </a:p>
+        </p:txBody>
+      </p:sp>
+    </p:spTree>
+    <p:extLst>
+      <p:ext uri="{BB962C8B-B14F-4D97-AF65-F5344CB8AC3E}">
+        <p14:creationId xmlns:p14="http://schemas.microsoft.com/office/powerpoint/2010/main" val="881247012"/>
+      </p:ext>
+    </p:extLst>
+  </p:cSld>
+  <p:clrMapOvr>
+    <a:masterClrMapping/>
+  </p:clrMapOvr>
+</p:sld>
+</file>
+
+<file path=ppt/slides/slide4.xml><?xml version="1.0" encoding="utf-8"?>
+<p:sld xmlns:a="http://schemas.openxmlformats.org/drawingml/2006/main" xmlns:r="http://schemas.openxmlformats.org/officeDocument/2006/relationships" xmlns:p="http://schemas.openxmlformats.org/presentationml/2006/main">
+  <p:cSld>
+    <p:bg>
+      <p:bgPr>
+        <a:solidFill>
+          <a:schemeClr val="bg1"/>
+        </a:solidFill>
+        <a:effectLst/>
+      </p:bgPr>
+    </p:bg>
+    <p:spTree>
+      <p:nvGrpSpPr>
+        <p:cNvPr id="1" name=""/>
+        <p:cNvGrpSpPr/>
+        <p:nvPr/>
+      </p:nvGrpSpPr>
+      <p:grpSpPr>
+        <a:xfrm>
+          <a:off x="0" y="0"/>
+          <a:ext cx="0" cy="0"/>
+          <a:chOff x="0" y="0"/>
+          <a:chExt cx="0" cy="0"/>
+        </a:xfrm>
+      </p:grpSpPr>
+      <p:sp>
+        <p:nvSpPr>
+          <p:cNvPr id="2" name="Title 1"/>
+          <p:cNvSpPr>
+            <a:spLocks noGrp="1"/>
+          </p:cNvSpPr>
+          <p:nvPr>
+            <p:ph type="title"/>
+          </p:nvPr>
+        </p:nvSpPr>
         <p:spPr/>
         <p:txBody>
           <a:bodyPr/>
           <a:lstStyle/>
           <a:p>
             <a:r>
-              <a:rPr lang="en-US" u="sng" dirty="0" smtClean="0">
+              <a:rPr lang="en-US" dirty="0" smtClean="0">
                 <a:solidFill>
                   <a:srgbClr val="00B0F0"/>
                 </a:solidFill>
               </a:rPr>
               <a:t>Revisit Publisher/Subscriber</a:t>
             </a:r>
-            <a:endParaRPr lang="en-US" u="sng" dirty="0">
+            <a:endParaRPr lang="en-US" dirty="0">
               <a:solidFill>
                 <a:srgbClr val="00B0F0"/>
               </a:solidFill>
@@ -3979,60 +4820,116 @@
         </p:nvSpPr>
         <p:spPr/>
         <p:txBody>
-          <a:bodyPr/>
-          <a:lstStyle/>
-          <a:p>
-            <a:r>
-              <a:rPr lang="en-US" dirty="0" smtClean="0"/>
+          <a:bodyPr>
+            <a:normAutofit lnSpcReduction="10000"/>
+          </a:bodyPr>
+          <a:lstStyle/>
+          <a:p>
+            <a:r>
+              <a:rPr lang="en-US" dirty="0" smtClean="0">
+                <a:latin typeface="+mj-lt"/>
+              </a:rPr>
               <a:t>Publisher is publishing events.</a:t>
             </a:r>
           </a:p>
           <a:p>
-            <a:r>
-              <a:rPr lang="en-US" dirty="0" smtClean="0"/>
-              <a:t>Subscriber(one to many) listening to events.</a:t>
-            </a:r>
-          </a:p>
-          <a:p>
-            <a:r>
-              <a:rPr lang="en-US" dirty="0" smtClean="0"/>
+            <a:endParaRPr lang="en-US" dirty="0" smtClean="0">
+              <a:latin typeface="+mj-lt"/>
+            </a:endParaRPr>
+          </a:p>
+          <a:p>
+            <a:r>
+              <a:rPr lang="en-US" dirty="0" smtClean="0">
+                <a:latin typeface="+mj-lt"/>
+              </a:rPr>
+              <a:t>Subscriber(one </a:t>
+            </a:r>
+            <a:r>
+              <a:rPr lang="en-US" dirty="0" smtClean="0">
+                <a:latin typeface="+mj-lt"/>
+              </a:rPr>
+              <a:t>to many) listening to events</a:t>
+            </a:r>
+            <a:r>
+              <a:rPr lang="en-US" dirty="0" smtClean="0">
+                <a:latin typeface="+mj-lt"/>
+              </a:rPr>
+              <a:t>.</a:t>
+            </a:r>
+          </a:p>
+          <a:p>
+            <a:endParaRPr lang="en-US" dirty="0" smtClean="0">
+              <a:latin typeface="+mj-lt"/>
+            </a:endParaRPr>
+          </a:p>
+          <a:p>
+            <a:r>
+              <a:rPr lang="en-US" dirty="0" smtClean="0">
+                <a:latin typeface="+mj-lt"/>
+              </a:rPr>
               <a:t>Complexities</a:t>
             </a:r>
           </a:p>
           <a:p>
             <a:pPr lvl="1"/>
             <a:r>
-              <a:rPr lang="en-US" dirty="0" smtClean="0"/>
+              <a:rPr lang="en-US" dirty="0" smtClean="0">
+                <a:latin typeface="+mj-lt"/>
+              </a:rPr>
               <a:t>Chain publishers, pipe one stream into other.</a:t>
             </a:r>
           </a:p>
           <a:p>
             <a:pPr lvl="1"/>
             <a:r>
-              <a:rPr lang="en-US" dirty="0" smtClean="0"/>
+              <a:rPr lang="en-US" dirty="0" smtClean="0">
+                <a:latin typeface="+mj-lt"/>
+              </a:rPr>
               <a:t>Compose multiple publishers. Combine multiple streams.</a:t>
             </a:r>
           </a:p>
           <a:p>
             <a:pPr lvl="1"/>
             <a:r>
-              <a:rPr lang="en-US" dirty="0" smtClean="0"/>
+              <a:rPr lang="en-US" dirty="0" smtClean="0">
+                <a:latin typeface="+mj-lt"/>
+              </a:rPr>
+              <a:t>Concurrent </a:t>
+            </a:r>
+            <a:r>
+              <a:rPr lang="en-US" dirty="0" smtClean="0">
+                <a:latin typeface="+mj-lt"/>
+              </a:rPr>
+              <a:t>execution on callbacks.</a:t>
+            </a:r>
+          </a:p>
+          <a:p>
+            <a:pPr lvl="1"/>
+            <a:r>
+              <a:rPr lang="en-US" dirty="0" smtClean="0">
+                <a:latin typeface="+mj-lt"/>
+              </a:rPr>
+              <a:t>Unsubscribe, cleanup, error handling</a:t>
+            </a:r>
+            <a:r>
+              <a:rPr lang="en-US" dirty="0" smtClean="0">
+                <a:latin typeface="+mj-lt"/>
+              </a:rPr>
+              <a:t>.</a:t>
+            </a:r>
+          </a:p>
+          <a:p>
+            <a:pPr lvl="1"/>
+            <a:r>
+              <a:rPr lang="en-US" dirty="0">
+                <a:latin typeface="+mj-lt"/>
+              </a:rPr>
               <a:t>Execute on desired threads.</a:t>
             </a:r>
           </a:p>
           <a:p>
             <a:pPr lvl="1"/>
-            <a:r>
-              <a:rPr lang="en-US" dirty="0" smtClean="0"/>
-              <a:t>Concurrent execution on callbacks.</a:t>
-            </a:r>
-          </a:p>
-          <a:p>
-            <a:pPr lvl="1"/>
-            <a:r>
-              <a:rPr lang="en-US" dirty="0" smtClean="0"/>
-              <a:t>Unsubscribe, cleanup, error handling.</a:t>
-            </a:r>
+            <a:endParaRPr lang="en-US" dirty="0" smtClean="0"/>
           </a:p>
           <a:p>
             <a:pPr lvl="1"/>
@@ -4060,6 +4957,14 @@
 <file path=ppt/slides/slide5.xml><?xml version="1.0" encoding="utf-8"?>
 <p:sld xmlns:a="http://schemas.openxmlformats.org/drawingml/2006/main" xmlns:r="http://schemas.openxmlformats.org/officeDocument/2006/relationships" xmlns:p="http://schemas.openxmlformats.org/presentationml/2006/main">
   <p:cSld>
+    <p:bg>
+      <p:bgPr>
+        <a:solidFill>
+          <a:schemeClr val="bg1"/>
+        </a:solidFill>
+        <a:effectLst/>
+      </p:bgPr>
+    </p:bg>
     <p:spTree>
       <p:nvGrpSpPr>
         <p:cNvPr id="1" name=""/>
@@ -4076,6 +4981,71 @@
       </p:grpSpPr>
       <p:sp>
         <p:nvSpPr>
+          <p:cNvPr id="8" name="Rectangle 7">
+            <a:extLst>
+              <a:ext uri="{FF2B5EF4-FFF2-40B4-BE49-F238E27FC236}">
+                <a16:creationId xmlns:a16="http://schemas.microsoft.com/office/drawing/2014/main" xmlns="" id="{8D70B121-56F4-4848-B38B-182089D909FA}"/>
+              </a:ext>
+              <a:ext uri="{C183D7F6-B498-43B3-948B-1728B52AA6E4}">
+                <adec:decorative xmlns:adec="http://schemas.microsoft.com/office/drawing/2017/decorative" xmlns="" val="1"/>
+              </a:ext>
+            </a:extLst>
+          </p:cNvPr>
+          <p:cNvSpPr>
+            <a:spLocks noGrp="1" noRot="1" noChangeAspect="1" noMove="1" noResize="1" noEditPoints="1" noAdjustHandles="1" noChangeArrowheads="1" noChangeShapeType="1" noTextEdit="1"/>
+          </p:cNvSpPr>
+          <p:nvPr>
+            <p:extLst>
+              <p:ext uri="{386F3935-93C4-4BCD-93E2-E3B085C9AB24}">
+                <p16:designElem xmlns:p16="http://schemas.microsoft.com/office/powerpoint/2015/main" val="1"/>
+              </p:ext>
+            </p:extLst>
+          </p:nvPr>
+        </p:nvSpPr>
+        <p:spPr bwMode="ltGray">
+          <a:xfrm>
+            <a:off x="321564" y="320040"/>
+            <a:ext cx="11548872" cy="6217920"/>
+          </a:xfrm>
+          <a:prstGeom prst="rect">
+            <a:avLst/>
+          </a:prstGeom>
+          <a:solidFill>
+            <a:schemeClr val="tx1">
+              <a:alpha val="8000"/>
+            </a:schemeClr>
+          </a:solidFill>
+          <a:ln w="127000" cap="sq" cmpd="thinThick">
+            <a:noFill/>
+          </a:ln>
+        </p:spPr>
+        <p:style>
+          <a:lnRef idx="2">
+            <a:schemeClr val="accent1">
+              <a:shade val="50000"/>
+            </a:schemeClr>
+          </a:lnRef>
+          <a:fillRef idx="1">
+            <a:schemeClr val="accent1"/>
+          </a:fillRef>
+          <a:effectRef idx="0">
+            <a:schemeClr val="accent1"/>
+          </a:effectRef>
+          <a:fontRef idx="minor">
+            <a:schemeClr val="lt1"/>
+          </a:fontRef>
+        </p:style>
+        <p:txBody>
+          <a:bodyPr rtlCol="0" anchor="ctr"/>
+          <a:lstStyle/>
+          <a:p>
+            <a:pPr algn="ctr"/>
+            <a:endParaRPr lang="en-US"/>
+          </a:p>
+        </p:txBody>
+      </p:sp>
+      <p:sp>
+        <p:nvSpPr>
           <p:cNvPr id="2" name="Title 1"/>
           <p:cNvSpPr>
             <a:spLocks noGrp="1"/>
@@ -4084,144 +5054,210 @@
             <p:ph type="title"/>
           </p:nvPr>
         </p:nvSpPr>
-        <p:spPr/>
-        <p:txBody>
-          <a:bodyPr/>
-          <a:lstStyle/>
-          <a:p>
-            <a:r>
-              <a:rPr lang="en-US" u="sng" dirty="0" smtClean="0">
+        <p:spPr>
+          <a:xfrm>
+            <a:off x="838200" y="963877"/>
+            <a:ext cx="3494362" cy="4930246"/>
+          </a:xfrm>
+        </p:spPr>
+        <p:txBody>
+          <a:bodyPr>
+            <a:normAutofit/>
+          </a:bodyPr>
+          <a:lstStyle/>
+          <a:p>
+            <a:pPr algn="r"/>
+            <a:r>
+              <a:rPr lang="en-US" dirty="0">
                 <a:solidFill>
-                  <a:srgbClr val="00B0F0"/>
+                  <a:schemeClr val="accent1"/>
                 </a:solidFill>
               </a:rPr>
               <a:t>Reactive?</a:t>
             </a:r>
-            <a:endParaRPr lang="en-US" u="sng" dirty="0">
-              <a:solidFill>
-                <a:srgbClr val="00B0F0"/>
-              </a:solidFill>
+          </a:p>
+        </p:txBody>
+      </p:sp>
+      <p:cxnSp>
+        <p:nvCxnSpPr>
+          <p:cNvPr id="10" name="Straight Connector 9">
+            <a:extLst>
+              <a:ext uri="{FF2B5EF4-FFF2-40B4-BE49-F238E27FC236}">
+                <a16:creationId xmlns:a16="http://schemas.microsoft.com/office/drawing/2014/main" xmlns="" id="{2D72A2C9-F3CA-4216-8BAD-FA4C970C3C4E}"/>
+              </a:ext>
+              <a:ext uri="{C183D7F6-B498-43B3-948B-1728B52AA6E4}">
+                <adec:decorative xmlns:adec="http://schemas.microsoft.com/office/drawing/2017/decorative" xmlns="" val="1"/>
+              </a:ext>
+            </a:extLst>
+          </p:cNvPr>
+          <p:cNvCxnSpPr>
+            <a:cxnSpLocks noGrp="1" noRot="1" noChangeAspect="1" noMove="1" noResize="1" noEditPoints="1" noAdjustHandles="1" noChangeArrowheads="1" noChangeShapeType="1"/>
+          </p:cNvCxnSpPr>
+          <p:nvPr>
+            <p:extLst>
+              <p:ext uri="{386F3935-93C4-4BCD-93E2-E3B085C9AB24}">
+                <p16:designElem xmlns:p16="http://schemas.microsoft.com/office/powerpoint/2015/main" val="1"/>
+              </p:ext>
+            </p:extLst>
+          </p:nvPr>
+        </p:nvCxnSpPr>
+        <p:spPr>
+          <a:xfrm>
+            <a:off x="4654296" y="2057400"/>
+            <a:ext cx="0" cy="2743200"/>
+          </a:xfrm>
+          <a:prstGeom prst="line">
+            <a:avLst/>
+          </a:prstGeom>
+          <a:ln w="19050">
+            <a:solidFill>
+              <a:schemeClr val="tx1">
+                <a:lumMod val="85000"/>
+                <a:lumOff val="15000"/>
+              </a:schemeClr>
+            </a:solidFill>
+          </a:ln>
+        </p:spPr>
+        <p:style>
+          <a:lnRef idx="1">
+            <a:schemeClr val="accent1"/>
+          </a:lnRef>
+          <a:fillRef idx="0">
+            <a:schemeClr val="accent1"/>
+          </a:fillRef>
+          <a:effectRef idx="0">
+            <a:schemeClr val="accent1"/>
+          </a:effectRef>
+          <a:fontRef idx="minor">
+            <a:schemeClr val="tx1"/>
+          </a:fontRef>
+        </p:style>
+      </p:cxnSp>
+      <p:sp>
+        <p:nvSpPr>
+          <p:cNvPr id="3" name="Content Placeholder 2"/>
+          <p:cNvSpPr>
+            <a:spLocks noGrp="1"/>
+          </p:cNvSpPr>
+          <p:nvPr>
+            <p:ph idx="1"/>
+          </p:nvPr>
+        </p:nvSpPr>
+        <p:spPr>
+          <a:xfrm>
+            <a:off x="4976031" y="963877"/>
+            <a:ext cx="6377769" cy="4930246"/>
+          </a:xfrm>
+        </p:spPr>
+        <p:txBody>
+          <a:bodyPr anchor="ctr">
+            <a:normAutofit/>
+          </a:bodyPr>
+          <a:lstStyle/>
+          <a:p>
+            <a:r>
+              <a:rPr lang="en-US" sz="2400" dirty="0" smtClean="0">
+                <a:latin typeface="+mj-lt"/>
+              </a:rPr>
+              <a:t>ReactiveX </a:t>
+            </a:r>
+            <a:r>
+              <a:rPr lang="en-US" sz="2400" dirty="0">
+                <a:latin typeface="+mj-lt"/>
+              </a:rPr>
+              <a:t>is an API for asynchronous programming with observable streams</a:t>
+            </a:r>
+          </a:p>
+          <a:p>
+            <a:endParaRPr lang="en-US" sz="2400" dirty="0" smtClean="0">
+              <a:latin typeface="+mj-lt"/>
             </a:endParaRPr>
           </a:p>
-        </p:txBody>
-      </p:sp>
-      <p:sp>
-        <p:nvSpPr>
-          <p:cNvPr id="3" name="Content Placeholder 2"/>
-          <p:cNvSpPr>
-            <a:spLocks noGrp="1"/>
-          </p:cNvSpPr>
-          <p:nvPr>
-            <p:ph idx="1"/>
-          </p:nvPr>
-        </p:nvSpPr>
-        <p:spPr/>
-        <p:txBody>
-          <a:bodyPr/>
-          <a:lstStyle/>
-          <a:p>
-            <a:r>
-              <a:rPr lang="en-US" dirty="0">
-                <a:hlinkClick r:id="rId2"/>
+          <a:p>
+            <a:r>
+              <a:rPr lang="en-US" sz="2400" dirty="0" smtClean="0">
+                <a:latin typeface="+mj-lt"/>
+              </a:rPr>
+              <a:t>ReactiveX </a:t>
+            </a:r>
+            <a:r>
+              <a:rPr lang="en-US" sz="2400" dirty="0">
+                <a:latin typeface="+mj-lt"/>
+              </a:rPr>
+              <a:t>is a combination of the best ideas from the </a:t>
+            </a:r>
+            <a:r>
+              <a:rPr lang="en-US" sz="2400" b="1" dirty="0">
+                <a:latin typeface="+mj-lt"/>
+                <a:hlinkClick r:id="rId2" tooltip="Observer pattern"/>
+              </a:rPr>
+              <a:t>Observer pattern</a:t>
+            </a:r>
+            <a:r>
+              <a:rPr lang="en-US" sz="2400" dirty="0">
+                <a:latin typeface="+mj-lt"/>
+              </a:rPr>
+              <a:t>, the </a:t>
+            </a:r>
+            <a:r>
+              <a:rPr lang="en-US" sz="2400" b="1" dirty="0">
+                <a:latin typeface="+mj-lt"/>
+                <a:hlinkClick r:id="rId3" tooltip="Iterator pattern"/>
+              </a:rPr>
+              <a:t>Iterator pattern</a:t>
+            </a:r>
+            <a:r>
+              <a:rPr lang="en-US" sz="2400" dirty="0">
+                <a:latin typeface="+mj-lt"/>
+              </a:rPr>
+              <a:t>, and </a:t>
+            </a:r>
+            <a:r>
+              <a:rPr lang="en-US" sz="2400" b="1" u="sng" dirty="0">
+                <a:latin typeface="+mj-lt"/>
+                <a:hlinkClick r:id="rId4"/>
+              </a:rPr>
+              <a:t>functional </a:t>
+            </a:r>
+            <a:r>
+              <a:rPr lang="en-US" sz="2400" b="1" u="sng" dirty="0" smtClean="0">
+                <a:latin typeface="+mj-lt"/>
+                <a:hlinkClick r:id="rId4"/>
+              </a:rPr>
+              <a:t>programming</a:t>
+            </a:r>
+            <a:endParaRPr lang="en-US" sz="2400" b="1" u="sng" dirty="0" smtClean="0">
+              <a:latin typeface="+mj-lt"/>
+            </a:endParaRPr>
+          </a:p>
+          <a:p>
+            <a:endParaRPr lang="en-US" sz="2400" b="1" u="sng" dirty="0">
+              <a:latin typeface="+mj-lt"/>
+            </a:endParaRPr>
+          </a:p>
+          <a:p>
+            <a:r>
+              <a:rPr lang="en-US" sz="2000" dirty="0">
+                <a:hlinkClick r:id="rId5"/>
               </a:rPr>
               <a:t>https://</a:t>
             </a:r>
             <a:r>
-              <a:rPr lang="en-US" dirty="0" smtClean="0">
-                <a:hlinkClick r:id="rId2"/>
+              <a:rPr lang="en-US" sz="2000" dirty="0" smtClean="0">
+                <a:hlinkClick r:id="rId5"/>
               </a:rPr>
               <a:t>en.wikipedia.org/wiki/Reactive_programming</a:t>
             </a:r>
-            <a:endParaRPr lang="en-US" dirty="0" smtClean="0"/>
-          </a:p>
-          <a:p>
-            <a:endParaRPr lang="en-US" dirty="0" smtClean="0"/>
-          </a:p>
-          <a:p>
-            <a:r>
-              <a:rPr lang="en-US" dirty="0" err="1" smtClean="0"/>
-              <a:t>ReactiveX</a:t>
-            </a:r>
-            <a:r>
-              <a:rPr lang="en-US" smtClean="0"/>
-              <a:t> </a:t>
-            </a:r>
-            <a:r>
-              <a:rPr lang="en-US" dirty="0"/>
-              <a:t>is an API for asynchronous programming with </a:t>
-            </a:r>
-            <a:r>
-              <a:rPr lang="en-US"/>
-              <a:t>observable </a:t>
-            </a:r>
-            <a:r>
-              <a:rPr lang="en-US" smtClean="0"/>
-              <a:t>streams</a:t>
-            </a:r>
-          </a:p>
-          <a:p>
-            <a:endParaRPr lang="en-US" dirty="0" smtClean="0"/>
-          </a:p>
-          <a:p>
-            <a:r>
-              <a:rPr lang="en-US" dirty="0" err="1"/>
-              <a:t>ReactiveX</a:t>
-            </a:r>
-            <a:r>
-              <a:rPr lang="en-US" dirty="0"/>
-              <a:t> is a combination of the best ideas from the </a:t>
-            </a:r>
-            <a:r>
-              <a:rPr lang="en-US" b="1" dirty="0">
-                <a:hlinkClick r:id="rId3" tooltip="Observer pattern"/>
-              </a:rPr>
-              <a:t>Observer pattern</a:t>
-            </a:r>
-            <a:r>
-              <a:rPr lang="en-US" dirty="0"/>
-              <a:t>, the </a:t>
-            </a:r>
-            <a:r>
-              <a:rPr lang="en-US" b="1" dirty="0">
-                <a:hlinkClick r:id="rId4" tooltip="Iterator pattern"/>
-              </a:rPr>
-              <a:t>Iterator pattern</a:t>
-            </a:r>
-            <a:r>
-              <a:rPr lang="en-US" dirty="0"/>
-              <a:t>, and </a:t>
-            </a:r>
-            <a:r>
-              <a:rPr lang="en-US" b="1" u="sng" dirty="0">
-                <a:hlinkClick r:id="rId5"/>
-              </a:rPr>
-              <a:t>functional </a:t>
-            </a:r>
-            <a:r>
-              <a:rPr lang="en-US" b="1" u="sng" dirty="0" smtClean="0">
-                <a:hlinkClick r:id="rId5"/>
-              </a:rPr>
-              <a:t>programming</a:t>
-            </a:r>
-            <a:endParaRPr lang="en-US" b="1" u="sng" dirty="0" smtClean="0"/>
-          </a:p>
-          <a:p>
-            <a:endParaRPr lang="en-US" dirty="0" smtClean="0"/>
-          </a:p>
-          <a:p>
-            <a:pPr lvl="1"/>
-            <a:endParaRPr lang="en-US" dirty="0" smtClean="0"/>
-          </a:p>
-          <a:p>
-            <a:pPr lvl="1"/>
-            <a:endParaRPr lang="en-US" dirty="0"/>
+            <a:endParaRPr lang="en-US" dirty="0">
+              <a:latin typeface="+mj-lt"/>
+            </a:endParaRPr>
           </a:p>
         </p:txBody>
       </p:sp>
     </p:spTree>
     <p:extLst>
       <p:ext uri="{BB962C8B-B14F-4D97-AF65-F5344CB8AC3E}">
-        <p14:creationId xmlns:p14="http://schemas.microsoft.com/office/powerpoint/2010/main" val="173037019"/>
+        <p14:creationId xmlns:p14="http://schemas.microsoft.com/office/powerpoint/2010/main" val="4036947266"/>
       </p:ext>
     </p:extLst>
   </p:cSld>
@@ -4234,6 +5270,14 @@
 <file path=ppt/slides/slide6.xml><?xml version="1.0" encoding="utf-8"?>
 <p:sld xmlns:a="http://schemas.openxmlformats.org/drawingml/2006/main" xmlns:r="http://schemas.openxmlformats.org/officeDocument/2006/relationships" xmlns:p="http://schemas.openxmlformats.org/presentationml/2006/main">
   <p:cSld>
+    <p:bg>
+      <p:bgPr>
+        <a:solidFill>
+          <a:schemeClr val="bg1"/>
+        </a:solidFill>
+        <a:effectLst/>
+      </p:bgPr>
+    </p:bg>
     <p:spTree>
       <p:nvGrpSpPr>
         <p:cNvPr id="1" name=""/>
@@ -4250,6 +5294,71 @@
       </p:grpSpPr>
       <p:sp>
         <p:nvSpPr>
+          <p:cNvPr id="8" name="Rectangle 7">
+            <a:extLst>
+              <a:ext uri="{FF2B5EF4-FFF2-40B4-BE49-F238E27FC236}">
+                <a16:creationId xmlns:a16="http://schemas.microsoft.com/office/drawing/2014/main" xmlns="" id="{8D70B121-56F4-4848-B38B-182089D909FA}"/>
+              </a:ext>
+              <a:ext uri="{C183D7F6-B498-43B3-948B-1728B52AA6E4}">
+                <adec:decorative xmlns:adec="http://schemas.microsoft.com/office/drawing/2017/decorative" xmlns="" val="1"/>
+              </a:ext>
+            </a:extLst>
+          </p:cNvPr>
+          <p:cNvSpPr>
+            <a:spLocks noGrp="1" noRot="1" noChangeAspect="1" noMove="1" noResize="1" noEditPoints="1" noAdjustHandles="1" noChangeArrowheads="1" noChangeShapeType="1" noTextEdit="1"/>
+          </p:cNvSpPr>
+          <p:nvPr>
+            <p:extLst>
+              <p:ext uri="{386F3935-93C4-4BCD-93E2-E3B085C9AB24}">
+                <p16:designElem xmlns:p16="http://schemas.microsoft.com/office/powerpoint/2015/main" val="1"/>
+              </p:ext>
+            </p:extLst>
+          </p:nvPr>
+        </p:nvSpPr>
+        <p:spPr bwMode="ltGray">
+          <a:xfrm>
+            <a:off x="321564" y="320040"/>
+            <a:ext cx="11548872" cy="6217920"/>
+          </a:xfrm>
+          <a:prstGeom prst="rect">
+            <a:avLst/>
+          </a:prstGeom>
+          <a:solidFill>
+            <a:schemeClr val="tx1">
+              <a:alpha val="8000"/>
+            </a:schemeClr>
+          </a:solidFill>
+          <a:ln w="127000" cap="sq" cmpd="thinThick">
+            <a:noFill/>
+          </a:ln>
+        </p:spPr>
+        <p:style>
+          <a:lnRef idx="2">
+            <a:schemeClr val="accent1">
+              <a:shade val="50000"/>
+            </a:schemeClr>
+          </a:lnRef>
+          <a:fillRef idx="1">
+            <a:schemeClr val="accent1"/>
+          </a:fillRef>
+          <a:effectRef idx="0">
+            <a:schemeClr val="accent1"/>
+          </a:effectRef>
+          <a:fontRef idx="minor">
+            <a:schemeClr val="lt1"/>
+          </a:fontRef>
+        </p:style>
+        <p:txBody>
+          <a:bodyPr rtlCol="0" anchor="ctr"/>
+          <a:lstStyle/>
+          <a:p>
+            <a:pPr algn="ctr"/>
+            <a:endParaRPr lang="en-US"/>
+          </a:p>
+        </p:txBody>
+      </p:sp>
+      <p:sp>
+        <p:nvSpPr>
           <p:cNvPr id="2" name="Title 1"/>
           <p:cNvSpPr>
             <a:spLocks noGrp="1"/>
@@ -4258,27 +5367,90 @@
             <p:ph type="title"/>
           </p:nvPr>
         </p:nvSpPr>
-        <p:spPr/>
-        <p:txBody>
-          <a:bodyPr/>
-          <a:lstStyle/>
-          <a:p>
-            <a:r>
-              <a:rPr lang="en-US" u="sng" dirty="0" err="1" smtClean="0">
+        <p:spPr>
+          <a:xfrm>
+            <a:off x="838200" y="963877"/>
+            <a:ext cx="3494362" cy="4930246"/>
+          </a:xfrm>
+        </p:spPr>
+        <p:txBody>
+          <a:bodyPr>
+            <a:normAutofit/>
+          </a:bodyPr>
+          <a:lstStyle/>
+          <a:p>
+            <a:pPr algn="r"/>
+            <a:r>
+              <a:rPr lang="en-US" dirty="0" smtClean="0">
                 <a:solidFill>
-                  <a:srgbClr val="00B0F0"/>
+                  <a:schemeClr val="accent1"/>
                 </a:solidFill>
               </a:rPr>
-              <a:t>RxJava</a:t>
-            </a:r>
-            <a:endParaRPr lang="en-US" u="sng" dirty="0">
+              <a:t>Reactive?</a:t>
+            </a:r>
+            <a:endParaRPr lang="en-US" dirty="0">
               <a:solidFill>
-                <a:srgbClr val="00B0F0"/>
+                <a:schemeClr val="accent1"/>
               </a:solidFill>
             </a:endParaRPr>
           </a:p>
         </p:txBody>
       </p:sp>
+      <p:cxnSp>
+        <p:nvCxnSpPr>
+          <p:cNvPr id="10" name="Straight Connector 9">
+            <a:extLst>
+              <a:ext uri="{FF2B5EF4-FFF2-40B4-BE49-F238E27FC236}">
+                <a16:creationId xmlns:a16="http://schemas.microsoft.com/office/drawing/2014/main" xmlns="" id="{2D72A2C9-F3CA-4216-8BAD-FA4C970C3C4E}"/>
+              </a:ext>
+              <a:ext uri="{C183D7F6-B498-43B3-948B-1728B52AA6E4}">
+                <adec:decorative xmlns:adec="http://schemas.microsoft.com/office/drawing/2017/decorative" xmlns="" val="1"/>
+              </a:ext>
+            </a:extLst>
+          </p:cNvPr>
+          <p:cNvCxnSpPr>
+            <a:cxnSpLocks noGrp="1" noRot="1" noChangeAspect="1" noMove="1" noResize="1" noEditPoints="1" noAdjustHandles="1" noChangeArrowheads="1" noChangeShapeType="1"/>
+          </p:cNvCxnSpPr>
+          <p:nvPr>
+            <p:extLst>
+              <p:ext uri="{386F3935-93C4-4BCD-93E2-E3B085C9AB24}">
+                <p16:designElem xmlns:p16="http://schemas.microsoft.com/office/powerpoint/2015/main" val="1"/>
+              </p:ext>
+            </p:extLst>
+          </p:nvPr>
+        </p:nvCxnSpPr>
+        <p:spPr>
+          <a:xfrm>
+            <a:off x="4654296" y="2057400"/>
+            <a:ext cx="0" cy="2743200"/>
+          </a:xfrm>
+          <a:prstGeom prst="line">
+            <a:avLst/>
+          </a:prstGeom>
+          <a:ln w="19050">
+            <a:solidFill>
+              <a:schemeClr val="tx1">
+                <a:lumMod val="85000"/>
+                <a:lumOff val="15000"/>
+              </a:schemeClr>
+            </a:solidFill>
+          </a:ln>
+        </p:spPr>
+        <p:style>
+          <a:lnRef idx="1">
+            <a:schemeClr val="accent1"/>
+          </a:lnRef>
+          <a:fillRef idx="0">
+            <a:schemeClr val="accent1"/>
+          </a:fillRef>
+          <a:effectRef idx="0">
+            <a:schemeClr val="accent1"/>
+          </a:effectRef>
+          <a:fontRef idx="minor">
+            <a:schemeClr val="tx1"/>
+          </a:fontRef>
+        </p:style>
+      </p:cxnSp>
       <p:sp>
         <p:nvSpPr>
           <p:cNvPr id="3" name="Content Placeholder 2"/>
@@ -4289,56 +5461,77 @@
             <p:ph idx="1"/>
           </p:nvPr>
         </p:nvSpPr>
-        <p:spPr/>
-        <p:txBody>
-          <a:bodyPr/>
-          <a:lstStyle/>
-          <a:p>
-            <a:r>
-              <a:rPr lang="en-US" dirty="0" smtClean="0"/>
-              <a:t>A library for composing asynchronous and event-based programs.</a:t>
-            </a:r>
-          </a:p>
-          <a:p>
-            <a:endParaRPr lang="en-US" dirty="0" smtClean="0"/>
-          </a:p>
-          <a:p>
-            <a:r>
-              <a:rPr lang="en-US" dirty="0"/>
-              <a:t>B</a:t>
-            </a:r>
-            <a:r>
-              <a:rPr lang="en-US" dirty="0" smtClean="0"/>
-              <a:t>egins with the observer pattern of producer/consumer callbacks and extends it with operators.</a:t>
-            </a:r>
-          </a:p>
-          <a:p>
-            <a:endParaRPr lang="en-US" dirty="0"/>
-          </a:p>
-          <a:p>
-            <a:r>
-              <a:rPr lang="en-US" dirty="0"/>
-              <a:t>A</a:t>
-            </a:r>
-            <a:r>
-              <a:rPr lang="en-US" dirty="0" smtClean="0"/>
-              <a:t>llow composing, transforming, scheduling, throttling, error handling, and lifecycle management.</a:t>
-            </a:r>
-          </a:p>
+        <p:spPr>
+          <a:xfrm>
+            <a:off x="4976031" y="963877"/>
+            <a:ext cx="6377769" cy="4930246"/>
+          </a:xfrm>
+        </p:spPr>
+        <p:txBody>
+          <a:bodyPr anchor="ctr">
+            <a:normAutofit/>
+          </a:bodyPr>
+          <a:lstStyle/>
           <a:p>
             <a:pPr lvl="1"/>
-            <a:endParaRPr lang="en-US" dirty="0" smtClean="0"/>
+            <a:r>
+              <a:rPr lang="en-US" dirty="0">
+                <a:latin typeface="+mj-lt"/>
+              </a:rPr>
+              <a:t>Reactive-functional programming is solving is concurrency and </a:t>
+            </a:r>
+            <a:r>
+              <a:rPr lang="en-US" dirty="0" smtClean="0">
+                <a:latin typeface="+mj-lt"/>
+              </a:rPr>
+              <a:t>parallelism. It is </a:t>
+            </a:r>
+            <a:r>
+              <a:rPr lang="en-US" dirty="0">
+                <a:latin typeface="+mj-lt"/>
+              </a:rPr>
+              <a:t>solving callback </a:t>
+            </a:r>
+            <a:r>
+              <a:rPr lang="en-US" dirty="0" smtClean="0">
+                <a:latin typeface="+mj-lt"/>
+              </a:rPr>
+              <a:t>hell.</a:t>
+            </a:r>
+            <a:endParaRPr lang="en-US" dirty="0">
+              <a:latin typeface="+mj-lt"/>
+            </a:endParaRPr>
           </a:p>
           <a:p>
             <a:pPr lvl="1"/>
-            <a:endParaRPr lang="en-US" dirty="0"/>
+            <a:endParaRPr lang="en-US" dirty="0">
+              <a:latin typeface="+mj-lt"/>
+            </a:endParaRPr>
+          </a:p>
+          <a:p>
+            <a:pPr lvl="1"/>
+            <a:r>
+              <a:rPr lang="en-US" dirty="0">
+                <a:latin typeface="+mj-lt"/>
+              </a:rPr>
+              <a:t>Reactive programming such as that implemented by RxJava is influenced by functional </a:t>
+            </a:r>
+            <a:r>
+              <a:rPr lang="en-US" dirty="0" smtClean="0">
+                <a:latin typeface="+mj-lt"/>
+              </a:rPr>
+              <a:t>programming.</a:t>
+            </a:r>
+            <a:endParaRPr lang="en-US" dirty="0">
+              <a:latin typeface="+mj-lt"/>
+            </a:endParaRPr>
           </a:p>
         </p:txBody>
       </p:sp>
     </p:spTree>
     <p:extLst>
       <p:ext uri="{BB962C8B-B14F-4D97-AF65-F5344CB8AC3E}">
-        <p14:creationId xmlns:p14="http://schemas.microsoft.com/office/powerpoint/2010/main" val="1918602951"/>
+        <p14:creationId xmlns:p14="http://schemas.microsoft.com/office/powerpoint/2010/main" val="2559942352"/>
       </p:ext>
     </p:extLst>
   </p:cSld>
@@ -4381,14 +5574,22 @@
           <a:lstStyle/>
           <a:p>
             <a:r>
-              <a:rPr lang="en-US" u="sng" dirty="0" smtClean="0">
+              <a:rPr lang="en-US" dirty="0" smtClean="0">
                 <a:solidFill>
                   <a:srgbClr val="00B0F0"/>
                 </a:solidFill>
               </a:rPr>
-              <a:t>Subscriber/Observer Interfaces</a:t>
-            </a:r>
-            <a:endParaRPr lang="en-US" u="sng" dirty="0">
+              <a:t>RxJava/</a:t>
+            </a:r>
+            <a:r>
+              <a:rPr lang="en-US" dirty="0" err="1" smtClean="0">
+                <a:solidFill>
+                  <a:srgbClr val="00B0F0"/>
+                </a:solidFill>
+              </a:rPr>
+              <a:t>RxSwift</a:t>
+            </a:r>
+            <a:endParaRPr lang="en-US" dirty="0">
               <a:solidFill>
                 <a:srgbClr val="00B0F0"/>
               </a:solidFill>
@@ -4412,79 +5613,55 @@
           <a:lstStyle/>
           <a:p>
             <a:r>
-              <a:rPr lang="en-US" dirty="0" smtClean="0"/>
-              <a:t>Subscriber Interface, </a:t>
-            </a:r>
-            <a:r>
-              <a:rPr lang="en-US" dirty="0" err="1" smtClean="0"/>
-              <a:t>onNext</a:t>
-            </a:r>
-            <a:r>
-              <a:rPr lang="en-US" dirty="0" smtClean="0"/>
-              <a:t>, </a:t>
-            </a:r>
-            <a:r>
-              <a:rPr lang="en-US" dirty="0" err="1" smtClean="0"/>
-              <a:t>onCompleted</a:t>
-            </a:r>
-            <a:r>
-              <a:rPr lang="en-US" dirty="0" smtClean="0"/>
-              <a:t>, </a:t>
-            </a:r>
-            <a:r>
-              <a:rPr lang="en-US" dirty="0" err="1" smtClean="0"/>
-              <a:t>onError</a:t>
-            </a:r>
-            <a:endParaRPr lang="en-US" dirty="0" smtClean="0"/>
-          </a:p>
-          <a:p>
-            <a:endParaRPr lang="en-US" dirty="0"/>
-          </a:p>
-          <a:p>
-            <a:r>
-              <a:rPr lang="en-US" dirty="0" smtClean="0"/>
-              <a:t>Lazy versus Eager</a:t>
+              <a:rPr lang="en-US" dirty="0" smtClean="0">
+                <a:latin typeface="+mj-lt"/>
+              </a:rPr>
+              <a:t>A library for composing asynchronous and event-based programs.</a:t>
+            </a:r>
+          </a:p>
+          <a:p>
+            <a:endParaRPr lang="en-US" dirty="0" smtClean="0">
+              <a:latin typeface="+mj-lt"/>
+            </a:endParaRPr>
+          </a:p>
+          <a:p>
+            <a:r>
+              <a:rPr lang="en-US" dirty="0">
+                <a:latin typeface="+mj-lt"/>
+              </a:rPr>
+              <a:t>B</a:t>
+            </a:r>
+            <a:r>
+              <a:rPr lang="en-US" dirty="0" smtClean="0">
+                <a:latin typeface="+mj-lt"/>
+              </a:rPr>
+              <a:t>egins with the observer pattern of producer/consumer callbacks and extends it with operators.</a:t>
+            </a:r>
+          </a:p>
+          <a:p>
+            <a:endParaRPr lang="en-US" dirty="0">
+              <a:latin typeface="+mj-lt"/>
+            </a:endParaRPr>
+          </a:p>
+          <a:p>
+            <a:r>
+              <a:rPr lang="en-US" dirty="0">
+                <a:latin typeface="+mj-lt"/>
+              </a:rPr>
+              <a:t>A</a:t>
+            </a:r>
+            <a:r>
+              <a:rPr lang="en-US" dirty="0" smtClean="0">
+                <a:latin typeface="+mj-lt"/>
+              </a:rPr>
+              <a:t>llow composing, transforming, scheduling, throttling, error handling, and lifecycle management.</a:t>
             </a:r>
           </a:p>
           <a:p>
             <a:pPr lvl="1"/>
-            <a:r>
-              <a:rPr lang="en-US" dirty="0"/>
-              <a:t>L</a:t>
-            </a:r>
-            <a:r>
-              <a:rPr lang="en-US" dirty="0" smtClean="0"/>
-              <a:t>azy, meaning it does nothing until it is subscribed to.</a:t>
-            </a:r>
-          </a:p>
-          <a:p>
-            <a:pPr lvl="1"/>
-            <a:r>
-              <a:rPr lang="en-US" dirty="0" err="1" smtClean="0"/>
-              <a:t>Lazyiness</a:t>
-            </a:r>
-            <a:r>
-              <a:rPr lang="en-US" dirty="0" smtClean="0"/>
-              <a:t> allows composing Observables together without data loss due to race conditions</a:t>
-            </a:r>
-          </a:p>
-          <a:p>
-            <a:pPr lvl="1"/>
-            <a:r>
-              <a:rPr lang="en-US" dirty="0" smtClean="0"/>
-              <a:t>Observable is lazy and will not start until subscribed to so that all composition can be done before data starts flowing.</a:t>
-            </a:r>
-          </a:p>
-          <a:p>
-            <a:pPr lvl="1"/>
-            <a:r>
-              <a:rPr lang="en-US" dirty="0" smtClean="0"/>
-              <a:t>Subscription, not construction starts work</a:t>
-            </a:r>
-          </a:p>
-          <a:p>
-            <a:pPr lvl="1"/>
-            <a:endParaRPr lang="en-US" dirty="0" smtClean="0"/>
+            <a:endParaRPr lang="en-US" dirty="0" smtClean="0">
+              <a:latin typeface="+mj-lt"/>
+            </a:endParaRPr>
           </a:p>
           <a:p>
             <a:pPr lvl="1"/>
@@ -4495,7 +5672,7 @@
     </p:spTree>
     <p:extLst>
       <p:ext uri="{BB962C8B-B14F-4D97-AF65-F5344CB8AC3E}">
-        <p14:creationId xmlns:p14="http://schemas.microsoft.com/office/powerpoint/2010/main" val="2062137374"/>
+        <p14:creationId xmlns:p14="http://schemas.microsoft.com/office/powerpoint/2010/main" val="1918602951"/>
       </p:ext>
     </p:extLst>
   </p:cSld>
@@ -4538,14 +5715,14 @@
           <a:lstStyle/>
           <a:p>
             <a:r>
-              <a:rPr lang="en-US" u="sng" dirty="0" smtClean="0">
+              <a:rPr lang="en-US" dirty="0" smtClean="0">
                 <a:solidFill>
                   <a:srgbClr val="00B0F0"/>
                 </a:solidFill>
               </a:rPr>
-              <a:t>Operators</a:t>
-            </a:r>
-            <a:endParaRPr lang="en-US" u="sng" dirty="0">
+              <a:t>Subscriber/Observer Interfaces</a:t>
+            </a:r>
+            <a:endParaRPr lang="en-US" dirty="0">
               <a:solidFill>
                 <a:srgbClr val="00B0F0"/>
               </a:solidFill>
@@ -4569,37 +5746,114 @@
           <a:lstStyle/>
           <a:p>
             <a:r>
-              <a:rPr lang="en-US" dirty="0" smtClean="0"/>
-              <a:t>Map, </a:t>
-            </a:r>
-          </a:p>
-          <a:p>
-            <a:endParaRPr lang="en-US" dirty="0"/>
-          </a:p>
-          <a:p>
-            <a:r>
-              <a:rPr lang="en-US" dirty="0" err="1" smtClean="0"/>
-              <a:t>DoOnNext</a:t>
-            </a:r>
-            <a:r>
-              <a:rPr lang="en-US" dirty="0" smtClean="0"/>
+              <a:rPr lang="en-US" dirty="0" smtClean="0">
+                <a:latin typeface="+mj-lt"/>
+              </a:rPr>
+              <a:t>Subscriber Interface, </a:t>
+            </a:r>
+            <a:r>
+              <a:rPr lang="en-US" dirty="0" err="1" smtClean="0">
+                <a:latin typeface="+mj-lt"/>
+              </a:rPr>
+              <a:t>onNext</a:t>
+            </a:r>
+            <a:r>
+              <a:rPr lang="en-US" dirty="0" smtClean="0">
+                <a:latin typeface="+mj-lt"/>
+              </a:rPr>
               <a:t>, </a:t>
             </a:r>
-          </a:p>
-          <a:p>
-            <a:endParaRPr lang="en-US" dirty="0"/>
-          </a:p>
-          <a:p>
-            <a:r>
-              <a:rPr lang="en-US" dirty="0" err="1" smtClean="0"/>
-              <a:t>FlatMap</a:t>
-            </a:r>
-            <a:r>
-              <a:rPr lang="en-US" dirty="0" smtClean="0"/>
+            <a:r>
+              <a:rPr lang="en-US" dirty="0" err="1" smtClean="0">
+                <a:latin typeface="+mj-lt"/>
+              </a:rPr>
+              <a:t>onCompleted</a:t>
+            </a:r>
+            <a:r>
+              <a:rPr lang="en-US" dirty="0" smtClean="0">
+                <a:latin typeface="+mj-lt"/>
+              </a:rPr>
               <a:t>, </a:t>
             </a:r>
-          </a:p>
-          <a:p>
+            <a:r>
+              <a:rPr lang="en-US" dirty="0" err="1" smtClean="0">
+                <a:latin typeface="+mj-lt"/>
+              </a:rPr>
+              <a:t>onError</a:t>
+            </a:r>
+            <a:endParaRPr lang="en-US" dirty="0" smtClean="0">
+              <a:latin typeface="+mj-lt"/>
+            </a:endParaRPr>
+          </a:p>
+          <a:p>
+            <a:endParaRPr lang="en-US" dirty="0">
+              <a:latin typeface="+mj-lt"/>
+            </a:endParaRPr>
+          </a:p>
+          <a:p>
+            <a:r>
+              <a:rPr lang="en-US" dirty="0" smtClean="0">
+                <a:latin typeface="+mj-lt"/>
+              </a:rPr>
+              <a:t>Lazy versus Eager</a:t>
+            </a:r>
+          </a:p>
+          <a:p>
+            <a:pPr lvl="1"/>
+            <a:r>
+              <a:rPr lang="en-US" dirty="0">
+                <a:latin typeface="+mj-lt"/>
+              </a:rPr>
+              <a:t>L</a:t>
+            </a:r>
+            <a:r>
+              <a:rPr lang="en-US" dirty="0" smtClean="0">
+                <a:latin typeface="+mj-lt"/>
+              </a:rPr>
+              <a:t>azy, meaning it does nothing until it is subscribed to.</a:t>
+            </a:r>
+          </a:p>
+          <a:p>
+            <a:pPr lvl="1"/>
+            <a:r>
+              <a:rPr lang="en-US" dirty="0" err="1" smtClean="0">
+                <a:latin typeface="+mj-lt"/>
+              </a:rPr>
+              <a:t>Lazyiness</a:t>
+            </a:r>
+            <a:r>
+              <a:rPr lang="en-US" dirty="0" smtClean="0">
+                <a:latin typeface="+mj-lt"/>
+              </a:rPr>
+              <a:t> allows composing Observables together without data loss due to race conditions</a:t>
+            </a:r>
+          </a:p>
+          <a:p>
+            <a:pPr lvl="1"/>
+            <a:r>
+              <a:rPr lang="en-US" dirty="0" smtClean="0">
+                <a:latin typeface="+mj-lt"/>
+              </a:rPr>
+              <a:t>Observable is lazy and will not start until subscribed to so that all composition can be done before data starts flowing.</a:t>
+            </a:r>
+          </a:p>
+          <a:p>
+            <a:pPr lvl="1"/>
+            <a:r>
+              <a:rPr lang="en-US" dirty="0" smtClean="0">
+                <a:latin typeface="+mj-lt"/>
+              </a:rPr>
+              <a:t>Subscription, not construction starts work</a:t>
+            </a:r>
+          </a:p>
+          <a:p>
+            <a:pPr lvl="1"/>
+            <a:endParaRPr lang="en-US" dirty="0" smtClean="0">
+              <a:latin typeface="+mj-lt"/>
+            </a:endParaRPr>
+          </a:p>
+          <a:p>
+            <a:pPr lvl="1"/>
             <a:endParaRPr lang="en-US" dirty="0"/>
           </a:p>
         </p:txBody>
@@ -4607,7 +5861,7 @@
     </p:spTree>
     <p:extLst>
       <p:ext uri="{BB962C8B-B14F-4D97-AF65-F5344CB8AC3E}">
-        <p14:creationId xmlns:p14="http://schemas.microsoft.com/office/powerpoint/2010/main" val="1914889124"/>
+        <p14:creationId xmlns:p14="http://schemas.microsoft.com/office/powerpoint/2010/main" val="2062137374"/>
       </p:ext>
     </p:extLst>
   </p:cSld>
@@ -4620,6 +5874,14 @@
 <file path=ppt/slides/slide9.xml><?xml version="1.0" encoding="utf-8"?>
 <p:sld xmlns:a="http://schemas.openxmlformats.org/drawingml/2006/main" xmlns:r="http://schemas.openxmlformats.org/officeDocument/2006/relationships" xmlns:p="http://schemas.openxmlformats.org/presentationml/2006/main">
   <p:cSld>
+    <p:bg>
+      <p:bgPr>
+        <a:solidFill>
+          <a:schemeClr val="bg1"/>
+        </a:solidFill>
+        <a:effectLst/>
+      </p:bgPr>
+    </p:bg>
     <p:spTree>
       <p:nvGrpSpPr>
         <p:cNvPr id="1" name=""/>
@@ -4636,6 +5898,71 @@
       </p:grpSpPr>
       <p:sp>
         <p:nvSpPr>
+          <p:cNvPr id="8" name="Rectangle 7">
+            <a:extLst>
+              <a:ext uri="{FF2B5EF4-FFF2-40B4-BE49-F238E27FC236}">
+                <a16:creationId xmlns:a16="http://schemas.microsoft.com/office/drawing/2014/main" xmlns="" id="{8D70B121-56F4-4848-B38B-182089D909FA}"/>
+              </a:ext>
+              <a:ext uri="{C183D7F6-B498-43B3-948B-1728B52AA6E4}">
+                <adec:decorative xmlns:adec="http://schemas.microsoft.com/office/drawing/2017/decorative" xmlns="" val="1"/>
+              </a:ext>
+            </a:extLst>
+          </p:cNvPr>
+          <p:cNvSpPr>
+            <a:spLocks noGrp="1" noRot="1" noChangeAspect="1" noMove="1" noResize="1" noEditPoints="1" noAdjustHandles="1" noChangeArrowheads="1" noChangeShapeType="1" noTextEdit="1"/>
+          </p:cNvSpPr>
+          <p:nvPr>
+            <p:extLst>
+              <p:ext uri="{386F3935-93C4-4BCD-93E2-E3B085C9AB24}">
+                <p16:designElem xmlns:p16="http://schemas.microsoft.com/office/powerpoint/2015/main" val="1"/>
+              </p:ext>
+            </p:extLst>
+          </p:nvPr>
+        </p:nvSpPr>
+        <p:spPr bwMode="ltGray">
+          <a:xfrm>
+            <a:off x="321564" y="320040"/>
+            <a:ext cx="11548872" cy="6217920"/>
+          </a:xfrm>
+          <a:prstGeom prst="rect">
+            <a:avLst/>
+          </a:prstGeom>
+          <a:solidFill>
+            <a:schemeClr val="tx1">
+              <a:alpha val="8000"/>
+            </a:schemeClr>
+          </a:solidFill>
+          <a:ln w="127000" cap="sq" cmpd="thinThick">
+            <a:noFill/>
+          </a:ln>
+        </p:spPr>
+        <p:style>
+          <a:lnRef idx="2">
+            <a:schemeClr val="accent1">
+              <a:shade val="50000"/>
+            </a:schemeClr>
+          </a:lnRef>
+          <a:fillRef idx="1">
+            <a:schemeClr val="accent1"/>
+          </a:fillRef>
+          <a:effectRef idx="0">
+            <a:schemeClr val="accent1"/>
+          </a:effectRef>
+          <a:fontRef idx="minor">
+            <a:schemeClr val="lt1"/>
+          </a:fontRef>
+        </p:style>
+        <p:txBody>
+          <a:bodyPr rtlCol="0" anchor="ctr"/>
+          <a:lstStyle/>
+          <a:p>
+            <a:pPr algn="ctr"/>
+            <a:endParaRPr lang="en-US"/>
+          </a:p>
+        </p:txBody>
+      </p:sp>
+      <p:sp>
+        <p:nvSpPr>
           <p:cNvPr id="2" name="Title 1"/>
           <p:cNvSpPr>
             <a:spLocks noGrp="1"/>
@@ -4644,27 +5971,85 @@
             <p:ph type="title"/>
           </p:nvPr>
         </p:nvSpPr>
-        <p:spPr/>
-        <p:txBody>
-          <a:bodyPr/>
-          <a:lstStyle/>
-          <a:p>
-            <a:r>
-              <a:rPr lang="en-US" u="sng" dirty="0" smtClean="0">
+        <p:spPr>
+          <a:xfrm>
+            <a:off x="838200" y="963877"/>
+            <a:ext cx="3494362" cy="4930246"/>
+          </a:xfrm>
+        </p:spPr>
+        <p:txBody>
+          <a:bodyPr>
+            <a:normAutofit/>
+          </a:bodyPr>
+          <a:lstStyle/>
+          <a:p>
+            <a:pPr algn="r"/>
+            <a:r>
+              <a:rPr lang="en-US" dirty="0">
                 <a:solidFill>
-                  <a:srgbClr val="00B0F0"/>
+                  <a:schemeClr val="accent1"/>
                 </a:solidFill>
               </a:rPr>
-              <a:t>Concurrency &amp; Schedulers</a:t>
-            </a:r>
-            <a:endParaRPr lang="en-US" u="sng" dirty="0">
-              <a:solidFill>
-                <a:srgbClr val="00B0F0"/>
-              </a:solidFill>
-            </a:endParaRPr>
-          </a:p>
-        </p:txBody>
-      </p:sp>
+              <a:t>Operators</a:t>
+            </a:r>
+          </a:p>
+        </p:txBody>
+      </p:sp>
+      <p:cxnSp>
+        <p:nvCxnSpPr>
+          <p:cNvPr id="10" name="Straight Connector 9">
+            <a:extLst>
+              <a:ext uri="{FF2B5EF4-FFF2-40B4-BE49-F238E27FC236}">
+                <a16:creationId xmlns:a16="http://schemas.microsoft.com/office/drawing/2014/main" xmlns="" id="{2D72A2C9-F3CA-4216-8BAD-FA4C970C3C4E}"/>
+              </a:ext>
+              <a:ext uri="{C183D7F6-B498-43B3-948B-1728B52AA6E4}">
+                <adec:decorative xmlns:adec="http://schemas.microsoft.com/office/drawing/2017/decorative" xmlns="" val="1"/>
+              </a:ext>
+            </a:extLst>
+          </p:cNvPr>
+          <p:cNvCxnSpPr>
+            <a:cxnSpLocks noGrp="1" noRot="1" noChangeAspect="1" noMove="1" noResize="1" noEditPoints="1" noAdjustHandles="1" noChangeArrowheads="1" noChangeShapeType="1"/>
+          </p:cNvCxnSpPr>
+          <p:nvPr>
+            <p:extLst>
+              <p:ext uri="{386F3935-93C4-4BCD-93E2-E3B085C9AB24}">
+                <p16:designElem xmlns:p16="http://schemas.microsoft.com/office/powerpoint/2015/main" val="1"/>
+              </p:ext>
+            </p:extLst>
+          </p:nvPr>
+        </p:nvCxnSpPr>
+        <p:spPr>
+          <a:xfrm>
+            <a:off x="4654296" y="2057400"/>
+            <a:ext cx="0" cy="2743200"/>
+          </a:xfrm>
+          <a:prstGeom prst="line">
+            <a:avLst/>
+          </a:prstGeom>
+          <a:ln w="19050">
+            <a:solidFill>
+              <a:schemeClr val="tx1">
+                <a:lumMod val="85000"/>
+                <a:lumOff val="15000"/>
+              </a:schemeClr>
+            </a:solidFill>
+          </a:ln>
+        </p:spPr>
+        <p:style>
+          <a:lnRef idx="1">
+            <a:schemeClr val="accent1"/>
+          </a:lnRef>
+          <a:fillRef idx="0">
+            <a:schemeClr val="accent1"/>
+          </a:fillRef>
+          <a:effectRef idx="0">
+            <a:schemeClr val="accent1"/>
+          </a:effectRef>
+          <a:fontRef idx="minor">
+            <a:schemeClr val="tx1"/>
+          </a:fontRef>
+        </p:style>
+      </p:cxnSp>
       <p:sp>
         <p:nvSpPr>
           <p:cNvPr id="3" name="Content Placeholder 2"/>
@@ -4675,110 +6060,64 @@
             <p:ph idx="1"/>
           </p:nvPr>
         </p:nvSpPr>
-        <p:spPr/>
-        <p:txBody>
-          <a:bodyPr/>
-          <a:lstStyle/>
-          <a:p>
-            <a:r>
-              <a:rPr lang="en-US" dirty="0" smtClean="0"/>
-              <a:t>Sync/</a:t>
-            </a:r>
-            <a:r>
-              <a:rPr lang="en-US" dirty="0" err="1" smtClean="0"/>
-              <a:t>Async</a:t>
-            </a:r>
-            <a:r>
-              <a:rPr lang="en-US" dirty="0"/>
+        <p:spPr>
+          <a:xfrm>
+            <a:off x="4976031" y="963877"/>
+            <a:ext cx="6377769" cy="4930246"/>
+          </a:xfrm>
+        </p:spPr>
+        <p:txBody>
+          <a:bodyPr anchor="ctr">
+            <a:normAutofit/>
+          </a:bodyPr>
+          <a:lstStyle/>
+          <a:p>
+            <a:r>
+              <a:rPr lang="en-US" sz="2400" dirty="0" smtClean="0"/>
+              <a:t>Map </a:t>
+            </a:r>
+            <a:endParaRPr lang="en-US" sz="2400" dirty="0"/>
+          </a:p>
+          <a:p>
+            <a:endParaRPr lang="en-US" sz="2400" dirty="0"/>
+          </a:p>
+          <a:p>
+            <a:r>
+              <a:rPr lang="en-US" sz="2400" dirty="0" err="1" smtClean="0"/>
+              <a:t>DoOnNext</a:t>
+            </a:r>
+            <a:r>
+              <a:rPr lang="en-US" sz="2400" dirty="0" smtClean="0"/>
               <a:t> </a:t>
             </a:r>
-            <a:r>
-              <a:rPr lang="mr-IN" dirty="0" smtClean="0"/>
-              <a:t>–</a:t>
-            </a:r>
-            <a:r>
-              <a:rPr lang="en-US" dirty="0" smtClean="0"/>
-              <a:t> understand how </a:t>
-            </a:r>
-            <a:r>
-              <a:rPr lang="en-US" dirty="0" err="1" smtClean="0"/>
-              <a:t>RxJava</a:t>
-            </a:r>
-            <a:r>
-              <a:rPr lang="en-US" dirty="0" smtClean="0"/>
-              <a:t> enables </a:t>
-            </a:r>
-            <a:r>
-              <a:rPr lang="en-US" dirty="0" err="1" smtClean="0"/>
-              <a:t>Async</a:t>
-            </a:r>
-            <a:endParaRPr lang="en-US" dirty="0" smtClean="0"/>
-          </a:p>
-          <a:p>
-            <a:endParaRPr lang="en-US" dirty="0"/>
-          </a:p>
-          <a:p>
-            <a:r>
-              <a:rPr lang="en-US" dirty="0" smtClean="0"/>
-              <a:t>Rx contract </a:t>
-            </a:r>
-            <a:r>
-              <a:rPr lang="mr-IN" dirty="0" smtClean="0"/>
-              <a:t>–</a:t>
-            </a:r>
-            <a:r>
-              <a:rPr lang="en-US" dirty="0" smtClean="0"/>
-              <a:t> </a:t>
-            </a:r>
-            <a:r>
-              <a:rPr lang="en-US" dirty="0" err="1" smtClean="0"/>
-              <a:t>onNext</a:t>
-            </a:r>
-            <a:r>
-              <a:rPr lang="en-US" dirty="0" smtClean="0"/>
-              <a:t>, </a:t>
-            </a:r>
-            <a:r>
-              <a:rPr lang="en-US" dirty="0" err="1" smtClean="0"/>
-              <a:t>onError</a:t>
-            </a:r>
-            <a:r>
-              <a:rPr lang="en-US" dirty="0" smtClean="0"/>
-              <a:t>, </a:t>
-            </a:r>
-            <a:r>
-              <a:rPr lang="en-US" dirty="0" err="1" smtClean="0"/>
-              <a:t>onCompleted</a:t>
-            </a:r>
-            <a:r>
-              <a:rPr lang="en-US" dirty="0" smtClean="0"/>
-              <a:t> are ensured to be called concurrently</a:t>
-            </a:r>
-          </a:p>
-          <a:p>
-            <a:endParaRPr lang="en-US" dirty="0"/>
-          </a:p>
-          <a:p>
-            <a:r>
-              <a:rPr lang="en-US" dirty="0" err="1" smtClean="0"/>
-              <a:t>SubscribeOn</a:t>
-            </a:r>
-            <a:r>
-              <a:rPr lang="en-US" dirty="0" smtClean="0"/>
-              <a:t>, </a:t>
-            </a:r>
-            <a:r>
-              <a:rPr lang="en-US" dirty="0" err="1" smtClean="0"/>
-              <a:t>ObserveOn</a:t>
-            </a:r>
-            <a:endParaRPr lang="en-US" dirty="0"/>
+            <a:endParaRPr lang="en-US" sz="2400" dirty="0"/>
+          </a:p>
+          <a:p>
+            <a:endParaRPr lang="en-US" sz="2400" dirty="0"/>
+          </a:p>
+          <a:p>
+            <a:r>
+              <a:rPr lang="en-US" sz="2400" dirty="0" err="1" smtClean="0"/>
+              <a:t>FlatMap</a:t>
+            </a:r>
+            <a:endParaRPr lang="en-US" sz="2400" dirty="0" smtClean="0"/>
+          </a:p>
+          <a:p>
+            <a:endParaRPr lang="en-US" sz="2400" dirty="0" smtClean="0"/>
+          </a:p>
+          <a:p>
+            <a:r>
+              <a:rPr lang="en-US" sz="2400" dirty="0" smtClean="0"/>
+              <a:t>Retry</a:t>
+            </a:r>
+            <a:endParaRPr lang="en-US" sz="2400" dirty="0"/>
           </a:p>
         </p:txBody>
       </p:sp>
     </p:spTree>
     <p:extLst>
       <p:ext uri="{BB962C8B-B14F-4D97-AF65-F5344CB8AC3E}">
-        <p14:creationId xmlns:p14="http://schemas.microsoft.com/office/powerpoint/2010/main" val="1560625698"/>
+        <p14:creationId xmlns:p14="http://schemas.microsoft.com/office/powerpoint/2010/main" val="1911055698"/>
       </p:ext>
     </p:extLst>
   </p:cSld>

--- a/ppt/RxJava.pptx
+++ b/ppt/RxJava.pptx
@@ -5,7 +5,7 @@
     <p:sldMasterId id="2147483648" r:id="rId1"/>
   </p:sldMasterIdLst>
   <p:notesMasterIdLst>
-    <p:notesMasterId r:id="rId15"/>
+    <p:notesMasterId r:id="rId16"/>
   </p:notesMasterIdLst>
   <p:sldIdLst>
     <p:sldId id="256" r:id="rId2"/>
@@ -21,6 +21,7 @@
     <p:sldId id="270" r:id="rId12"/>
     <p:sldId id="263" r:id="rId13"/>
     <p:sldId id="265" r:id="rId14"/>
+    <p:sldId id="271" r:id="rId15"/>
   </p:sldIdLst>
   <p:sldSz cx="12192000" cy="6858000"/>
   <p:notesSz cx="6858000" cy="9144000"/>
@@ -3346,8 +3347,8 @@
         </p:nvSpPr>
         <p:spPr>
           <a:xfrm>
-            <a:off x="1524000" y="1122363"/>
-            <a:ext cx="9144000" cy="5336310"/>
+            <a:off x="1237129" y="4876798"/>
+            <a:ext cx="9144000" cy="918485"/>
           </a:xfrm>
         </p:spPr>
         <p:txBody>
@@ -3384,8 +3385,8 @@
         </p:blipFill>
         <p:spPr>
           <a:xfrm>
-            <a:off x="3799067" y="1122363"/>
-            <a:ext cx="4222187" cy="4222187"/>
+            <a:off x="4157655" y="1131328"/>
+            <a:ext cx="3516133" cy="3516133"/>
           </a:xfrm>
           <a:prstGeom prst="rect">
             <a:avLst/>
@@ -4257,6 +4258,331 @@
   </p:cSld>
   <p:clrMapOvr>
     <a:masterClrMapping/>
+  </p:clrMapOvr>
+</p:sld>
+</file>
+
+<file path=ppt/slides/slide14.xml><?xml version="1.0" encoding="utf-8"?>
+<p:sld xmlns:a="http://schemas.openxmlformats.org/drawingml/2006/main" xmlns:r="http://schemas.openxmlformats.org/officeDocument/2006/relationships" xmlns:p="http://schemas.openxmlformats.org/presentationml/2006/main">
+  <p:cSld>
+    <p:bg>
+      <p:bgPr>
+        <a:solidFill>
+          <a:schemeClr val="tx1"/>
+        </a:solidFill>
+        <a:effectLst/>
+      </p:bgPr>
+    </p:bg>
+    <p:spTree>
+      <p:nvGrpSpPr>
+        <p:cNvPr id="1" name=""/>
+        <p:cNvGrpSpPr/>
+        <p:nvPr/>
+      </p:nvGrpSpPr>
+      <p:grpSpPr>
+        <a:xfrm>
+          <a:off x="0" y="0"/>
+          <a:ext cx="0" cy="0"/>
+          <a:chOff x="0" y="0"/>
+          <a:chExt cx="0" cy="0"/>
+        </a:xfrm>
+      </p:grpSpPr>
+      <p:sp>
+        <p:nvSpPr>
+          <p:cNvPr id="8" name="Rectangle 7">
+            <a:extLst>
+              <a:ext uri="{FF2B5EF4-FFF2-40B4-BE49-F238E27FC236}">
+                <a16:creationId xmlns:a16="http://schemas.microsoft.com/office/drawing/2014/main" xmlns="" id="{2A8AA5BC-4F7A-4226-8F99-6D824B226A97}"/>
+              </a:ext>
+              <a:ext uri="{C183D7F6-B498-43B3-948B-1728B52AA6E4}">
+                <adec:decorative xmlns:adec="http://schemas.microsoft.com/office/drawing/2017/decorative" xmlns="" val="1"/>
+              </a:ext>
+            </a:extLst>
+          </p:cNvPr>
+          <p:cNvSpPr>
+            <a:spLocks noGrp="1" noRot="1" noChangeAspect="1" noMove="1" noResize="1" noEditPoints="1" noAdjustHandles="1" noChangeArrowheads="1" noChangeShapeType="1" noTextEdit="1"/>
+          </p:cNvSpPr>
+          <p:nvPr>
+            <p:extLst>
+              <p:ext uri="{386F3935-93C4-4BCD-93E2-E3B085C9AB24}">
+                <p16:designElem xmlns:p16="http://schemas.microsoft.com/office/powerpoint/2015/main" val="1"/>
+              </p:ext>
+            </p:extLst>
+          </p:nvPr>
+        </p:nvSpPr>
+        <p:spPr>
+          <a:xfrm>
+            <a:off x="0" y="-3324"/>
+            <a:ext cx="12192000" cy="6861324"/>
+          </a:xfrm>
+          <a:prstGeom prst="rect">
+            <a:avLst/>
+          </a:prstGeom>
+          <a:solidFill>
+            <a:schemeClr val="tx1"/>
+          </a:solidFill>
+          <a:ln>
+            <a:noFill/>
+          </a:ln>
+        </p:spPr>
+        <p:style>
+          <a:lnRef idx="2">
+            <a:schemeClr val="accent1">
+              <a:shade val="50000"/>
+            </a:schemeClr>
+          </a:lnRef>
+          <a:fillRef idx="1">
+            <a:schemeClr val="accent1"/>
+          </a:fillRef>
+          <a:effectRef idx="0">
+            <a:schemeClr val="accent1"/>
+          </a:effectRef>
+          <a:fontRef idx="minor">
+            <a:schemeClr val="lt1"/>
+          </a:fontRef>
+        </p:style>
+        <p:txBody>
+          <a:bodyPr rtlCol="0" anchor="ctr"/>
+          <a:lstStyle/>
+          <a:p>
+            <a:pPr algn="ctr"/>
+            <a:endParaRPr lang="en-US"/>
+          </a:p>
+        </p:txBody>
+      </p:sp>
+      <p:sp>
+        <p:nvSpPr>
+          <p:cNvPr id="10" name="Rectangle 9">
+            <a:extLst>
+              <a:ext uri="{FF2B5EF4-FFF2-40B4-BE49-F238E27FC236}">
+                <a16:creationId xmlns:a16="http://schemas.microsoft.com/office/drawing/2014/main" xmlns="" id="{3E5445C6-DD42-4979-86FF-03730E8C6DB0}"/>
+              </a:ext>
+              <a:ext uri="{C183D7F6-B498-43B3-948B-1728B52AA6E4}">
+                <adec:decorative xmlns:adec="http://schemas.microsoft.com/office/drawing/2017/decorative" xmlns="" val="1"/>
+              </a:ext>
+            </a:extLst>
+          </p:cNvPr>
+          <p:cNvSpPr>
+            <a:spLocks noGrp="1" noRot="1" noChangeAspect="1" noMove="1" noResize="1" noEditPoints="1" noAdjustHandles="1" noChangeArrowheads="1" noChangeShapeType="1" noTextEdit="1"/>
+          </p:cNvSpPr>
+          <p:nvPr>
+            <p:extLst>
+              <p:ext uri="{386F3935-93C4-4BCD-93E2-E3B085C9AB24}">
+                <p16:designElem xmlns:p16="http://schemas.microsoft.com/office/powerpoint/2015/main" val="1"/>
+              </p:ext>
+            </p:extLst>
+          </p:nvPr>
+        </p:nvSpPr>
+        <p:spPr bwMode="ltGray">
+          <a:xfrm>
+            <a:off x="321734" y="321733"/>
+            <a:ext cx="11573488" cy="6214534"/>
+          </a:xfrm>
+          <a:prstGeom prst="rect">
+            <a:avLst/>
+          </a:prstGeom>
+          <a:solidFill>
+            <a:schemeClr val="bg1">
+              <a:lumMod val="75000"/>
+              <a:lumOff val="25000"/>
+            </a:schemeClr>
+          </a:solidFill>
+          <a:ln w="127000" cap="sq" cmpd="thinThick">
+            <a:solidFill>
+              <a:schemeClr val="bg1">
+                <a:lumMod val="75000"/>
+                <a:lumOff val="25000"/>
+              </a:schemeClr>
+            </a:solidFill>
+          </a:ln>
+        </p:spPr>
+        <p:style>
+          <a:lnRef idx="2">
+            <a:schemeClr val="accent1">
+              <a:shade val="50000"/>
+            </a:schemeClr>
+          </a:lnRef>
+          <a:fillRef idx="1">
+            <a:schemeClr val="accent1"/>
+          </a:fillRef>
+          <a:effectRef idx="0">
+            <a:schemeClr val="accent1"/>
+          </a:effectRef>
+          <a:fontRef idx="minor">
+            <a:schemeClr val="lt1"/>
+          </a:fontRef>
+        </p:style>
+        <p:txBody>
+          <a:bodyPr rtlCol="0" anchor="ctr"/>
+          <a:lstStyle/>
+          <a:p>
+            <a:pPr algn="ctr"/>
+            <a:endParaRPr lang="en-US"/>
+          </a:p>
+        </p:txBody>
+      </p:sp>
+      <p:sp>
+        <p:nvSpPr>
+          <p:cNvPr id="2" name="Title 1"/>
+          <p:cNvSpPr>
+            <a:spLocks noGrp="1"/>
+          </p:cNvSpPr>
+          <p:nvPr>
+            <p:ph type="title"/>
+          </p:nvPr>
+        </p:nvSpPr>
+        <p:spPr>
+          <a:xfrm>
+            <a:off x="1524000" y="1122362"/>
+            <a:ext cx="9144000" cy="2840037"/>
+          </a:xfrm>
+        </p:spPr>
+        <p:txBody>
+          <a:bodyPr vert="horz" lIns="91440" tIns="45720" rIns="91440" bIns="45720" rtlCol="0" anchor="b">
+            <a:normAutofit/>
+          </a:bodyPr>
+          <a:lstStyle/>
+          <a:p>
+            <a:pPr algn="ctr"/>
+            <a:r>
+              <a:rPr lang="en-US" sz="5800" kern="1200" dirty="0">
+                <a:solidFill>
+                  <a:schemeClr val="tx1"/>
+                </a:solidFill>
+                <a:latin typeface="+mj-lt"/>
+                <a:ea typeface="+mj-ea"/>
+                <a:cs typeface="+mj-cs"/>
+              </a:rPr>
+              <a:t>Thanks</a:t>
+            </a:r>
+          </a:p>
+        </p:txBody>
+      </p:sp>
+      <p:sp>
+        <p:nvSpPr>
+          <p:cNvPr id="3" name="Content Placeholder 2"/>
+          <p:cNvSpPr>
+            <a:spLocks noGrp="1"/>
+          </p:cNvSpPr>
+          <p:nvPr>
+            <p:ph idx="1"/>
+          </p:nvPr>
+        </p:nvSpPr>
+        <p:spPr>
+          <a:xfrm>
+            <a:off x="1524000" y="4256436"/>
+            <a:ext cx="9144000" cy="1600818"/>
+          </a:xfrm>
+        </p:spPr>
+        <p:txBody>
+          <a:bodyPr vert="horz" lIns="91440" tIns="45720" rIns="91440" bIns="45720" rtlCol="0">
+            <a:normAutofit/>
+          </a:bodyPr>
+          <a:lstStyle/>
+          <a:p>
+            <a:pPr marL="0" indent="0" algn="ctr">
+              <a:buNone/>
+            </a:pPr>
+            <a:r>
+              <a:rPr lang="en-US" sz="2400" kern="1200">
+                <a:solidFill>
+                  <a:schemeClr val="accent1"/>
+                </a:solidFill>
+                <a:latin typeface="+mn-lt"/>
+                <a:ea typeface="+mn-ea"/>
+                <a:cs typeface="+mn-cs"/>
+              </a:rPr>
+              <a:t>PPT &amp; Source code available at </a:t>
+            </a:r>
+            <a:r>
+              <a:rPr lang="en-US" sz="2400" kern="1200">
+                <a:solidFill>
+                  <a:schemeClr val="accent1"/>
+                </a:solidFill>
+                <a:latin typeface="+mn-lt"/>
+                <a:ea typeface="+mn-ea"/>
+                <a:cs typeface="+mn-cs"/>
+                <a:hlinkClick r:id="rId2"/>
+              </a:rPr>
+              <a:t>https://github.com/chandanthakur/rxjava-basics</a:t>
+            </a:r>
+            <a:r>
+              <a:rPr lang="en-US" sz="2400" kern="1200">
+                <a:solidFill>
+                  <a:schemeClr val="accent1"/>
+                </a:solidFill>
+                <a:latin typeface="+mn-lt"/>
+                <a:ea typeface="+mn-ea"/>
+                <a:cs typeface="+mn-cs"/>
+              </a:rPr>
+              <a:t> </a:t>
+            </a:r>
+          </a:p>
+        </p:txBody>
+      </p:sp>
+      <p:cxnSp>
+        <p:nvCxnSpPr>
+          <p:cNvPr id="12" name="Straight Connector 11">
+            <a:extLst>
+              <a:ext uri="{FF2B5EF4-FFF2-40B4-BE49-F238E27FC236}">
+                <a16:creationId xmlns:a16="http://schemas.microsoft.com/office/drawing/2014/main" xmlns="" id="{45000665-DFC7-417E-8FD7-516A0F15C975}"/>
+              </a:ext>
+              <a:ext uri="{C183D7F6-B498-43B3-948B-1728B52AA6E4}">
+                <adec:decorative xmlns:adec="http://schemas.microsoft.com/office/drawing/2017/decorative" xmlns="" val="1"/>
+              </a:ext>
+            </a:extLst>
+          </p:cNvPr>
+          <p:cNvCxnSpPr>
+            <a:cxnSpLocks noGrp="1" noRot="1" noChangeAspect="1" noMove="1" noResize="1" noEditPoints="1" noAdjustHandles="1" noChangeArrowheads="1" noChangeShapeType="1"/>
+          </p:cNvCxnSpPr>
+          <p:nvPr>
+            <p:extLst>
+              <p:ext uri="{386F3935-93C4-4BCD-93E2-E3B085C9AB24}">
+                <p16:designElem xmlns:p16="http://schemas.microsoft.com/office/powerpoint/2015/main" val="1"/>
+              </p:ext>
+            </p:extLst>
+          </p:nvPr>
+        </p:nvCxnSpPr>
+        <p:spPr>
+          <a:xfrm>
+            <a:off x="4724400" y="4109417"/>
+            <a:ext cx="2743200" cy="0"/>
+          </a:xfrm>
+          <a:prstGeom prst="line">
+            <a:avLst/>
+          </a:prstGeom>
+          <a:ln w="12700">
+            <a:solidFill>
+              <a:schemeClr val="tx1">
+                <a:lumMod val="85000"/>
+              </a:schemeClr>
+            </a:solidFill>
+          </a:ln>
+        </p:spPr>
+        <p:style>
+          <a:lnRef idx="1">
+            <a:schemeClr val="accent1"/>
+          </a:lnRef>
+          <a:fillRef idx="0">
+            <a:schemeClr val="accent1"/>
+          </a:fillRef>
+          <a:effectRef idx="0">
+            <a:schemeClr val="accent1"/>
+          </a:effectRef>
+          <a:fontRef idx="minor">
+            <a:schemeClr val="tx1"/>
+          </a:fontRef>
+        </p:style>
+      </p:cxnSp>
+    </p:spTree>
+    <p:extLst>
+      <p:ext uri="{BB962C8B-B14F-4D97-AF65-F5344CB8AC3E}">
+        <p14:creationId xmlns:p14="http://schemas.microsoft.com/office/powerpoint/2010/main" val="2231527"/>
+      </p:ext>
+    </p:extLst>
+  </p:cSld>
+  <p:clrMapOvr>
+    <a:overrideClrMapping bg1="dk1" tx1="lt1" bg2="dk2" tx2="lt2" accent1="accent1" accent2="accent2" accent3="accent3" accent4="accent4" accent5="accent5" accent6="accent6" hlink="hlink" folHlink="folHlink"/>
   </p:clrMapOvr>
 </p:sld>
 </file>

--- a/ppt/RxJava.pptx
+++ b/ppt/RxJava.pptx
@@ -476,6 +476,90 @@
     </a:lvl9pPr>
   </p:notesStyle>
 </p:notesMaster>
+</file>
+
+<file path=ppt/notesSlides/notesSlide1.xml><?xml version="1.0" encoding="utf-8"?>
+<p:notes xmlns:a="http://schemas.openxmlformats.org/drawingml/2006/main" xmlns:r="http://schemas.openxmlformats.org/officeDocument/2006/relationships" xmlns:p="http://schemas.openxmlformats.org/presentationml/2006/main">
+  <p:cSld>
+    <p:spTree>
+      <p:nvGrpSpPr>
+        <p:cNvPr id="1" name=""/>
+        <p:cNvGrpSpPr/>
+        <p:nvPr/>
+      </p:nvGrpSpPr>
+      <p:grpSpPr>
+        <a:xfrm>
+          <a:off x="0" y="0"/>
+          <a:ext cx="0" cy="0"/>
+          <a:chOff x="0" y="0"/>
+          <a:chExt cx="0" cy="0"/>
+        </a:xfrm>
+      </p:grpSpPr>
+      <p:sp>
+        <p:nvSpPr>
+          <p:cNvPr id="2" name="Slide Image Placeholder 1"/>
+          <p:cNvSpPr>
+            <a:spLocks noGrp="1" noRot="1" noChangeAspect="1"/>
+          </p:cNvSpPr>
+          <p:nvPr>
+            <p:ph type="sldImg"/>
+          </p:nvPr>
+        </p:nvSpPr>
+        <p:spPr/>
+      </p:sp>
+      <p:sp>
+        <p:nvSpPr>
+          <p:cNvPr id="3" name="Notes Placeholder 2"/>
+          <p:cNvSpPr>
+            <a:spLocks noGrp="1"/>
+          </p:cNvSpPr>
+          <p:nvPr>
+            <p:ph type="body" idx="1"/>
+          </p:nvPr>
+        </p:nvSpPr>
+        <p:spPr/>
+        <p:txBody>
+          <a:bodyPr/>
+          <a:lstStyle/>
+          <a:p>
+            <a:endParaRPr lang="en-US" dirty="0"/>
+          </a:p>
+        </p:txBody>
+      </p:sp>
+      <p:sp>
+        <p:nvSpPr>
+          <p:cNvPr id="4" name="Slide Number Placeholder 3"/>
+          <p:cNvSpPr>
+            <a:spLocks noGrp="1"/>
+          </p:cNvSpPr>
+          <p:nvPr>
+            <p:ph type="sldNum" sz="quarter" idx="10"/>
+          </p:nvPr>
+        </p:nvSpPr>
+        <p:spPr/>
+        <p:txBody>
+          <a:bodyPr/>
+          <a:lstStyle/>
+          <a:p>
+            <a:fld id="{BC81DF4D-409F-EF4E-B8FA-150A8A71085D}" type="slidenum">
+              <a:rPr lang="en-US" smtClean="0"/>
+              <a:t>1</a:t>
+            </a:fld>
+            <a:endParaRPr lang="en-US"/>
+          </a:p>
+        </p:txBody>
+      </p:sp>
+    </p:spTree>
+    <p:extLst>
+      <p:ext uri="{BB962C8B-B14F-4D97-AF65-F5344CB8AC3E}">
+        <p14:creationId xmlns:p14="http://schemas.microsoft.com/office/powerpoint/2010/main" val="641396586"/>
+      </p:ext>
+    </p:extLst>
+  </p:cSld>
+  <p:clrMapOvr>
+    <a:masterClrMapping/>
+  </p:clrMapOvr>
+</p:notes>
 </file>
 
 <file path=ppt/slideLayouts/slideLayout1.xml><?xml version="1.0" encoding="utf-8"?>
@@ -3372,7 +3456,7 @@
           <p:nvPr/>
         </p:nvPicPr>
         <p:blipFill>
-          <a:blip r:embed="rId2">
+          <a:blip r:embed="rId3">
             <a:extLst>
               <a:ext uri="{28A0092B-C50C-407E-A947-70E740481C1C}">
                 <a14:useLocalDpi xmlns:a14="http://schemas.microsoft.com/office/drawing/2010/main" val="0"/>
@@ -3403,6 +3487,13 @@
   <p:clrMapOvr>
     <a:masterClrMapping/>
   </p:clrMapOvr>
+  <p:timing>
+    <p:tnLst>
+      <p:par>
+        <p:cTn id="1" dur="indefinite" restart="never" nodeType="tmRoot"/>
+      </p:par>
+    </p:tnLst>
+  </p:timing>
 </p:sld>
 </file>
 
@@ -3630,6 +3721,13 @@
   <p:clrMapOvr>
     <a:masterClrMapping/>
   </p:clrMapOvr>
+  <p:timing>
+    <p:tnLst>
+      <p:par>
+        <p:cTn id="1" dur="indefinite" restart="never" nodeType="tmRoot"/>
+      </p:par>
+    </p:tnLst>
+  </p:timing>
 </p:sld>
 </file>
 
@@ -3790,6 +3888,13 @@
   <p:clrMapOvr>
     <a:masterClrMapping/>
   </p:clrMapOvr>
+  <p:timing>
+    <p:tnLst>
+      <p:par>
+        <p:cTn id="1" dur="indefinite" restart="never" nodeType="tmRoot"/>
+      </p:par>
+    </p:tnLst>
+  </p:timing>
 </p:sld>
 </file>
 
@@ -4029,6 +4134,13 @@
   <p:clrMapOvr>
     <a:masterClrMapping/>
   </p:clrMapOvr>
+  <p:timing>
+    <p:tnLst>
+      <p:par>
+        <p:cTn id="1" dur="indefinite" restart="never" nodeType="tmRoot"/>
+      </p:par>
+    </p:tnLst>
+  </p:timing>
 </p:sld>
 </file>
 
@@ -4259,6 +4371,13 @@
   <p:clrMapOvr>
     <a:masterClrMapping/>
   </p:clrMapOvr>
+  <p:timing>
+    <p:tnLst>
+      <p:par>
+        <p:cTn id="1" dur="indefinite" restart="never" nodeType="tmRoot"/>
+      </p:par>
+    </p:tnLst>
+  </p:timing>
 </p:sld>
 </file>
 
@@ -4584,6 +4703,13 @@
   <p:clrMapOvr>
     <a:overrideClrMapping bg1="dk1" tx1="lt1" bg2="dk2" tx2="lt2" accent1="accent1" accent2="accent2" accent3="accent3" accent4="accent4" accent5="accent5" accent6="accent6" hlink="hlink" folHlink="folHlink"/>
   </p:clrMapOvr>
+  <p:timing>
+    <p:tnLst>
+      <p:par>
+        <p:cTn id="1" dur="indefinite" restart="never" nodeType="tmRoot"/>
+      </p:par>
+    </p:tnLst>
+  </p:timing>
 </p:sld>
 </file>
 
@@ -4840,6 +4966,13 @@
   <p:clrMapOvr>
     <a:masterClrMapping/>
   </p:clrMapOvr>
+  <p:timing>
+    <p:tnLst>
+      <p:par>
+        <p:cTn id="1" dur="indefinite" restart="never" nodeType="tmRoot"/>
+      </p:par>
+    </p:tnLst>
+  </p:timing>
 </p:sld>
 </file>
 
@@ -5075,6 +5208,13 @@
   <p:clrMapOvr>
     <a:masterClrMapping/>
   </p:clrMapOvr>
+  <p:timing>
+    <p:tnLst>
+      <p:par>
+        <p:cTn id="1" dur="indefinite" restart="never" nodeType="tmRoot"/>
+      </p:par>
+    </p:tnLst>
+  </p:timing>
 </p:sld>
 </file>
 
@@ -5277,6 +5417,13 @@
   <p:clrMapOvr>
     <a:masterClrMapping/>
   </p:clrMapOvr>
+  <p:timing>
+    <p:tnLst>
+      <p:par>
+        <p:cTn id="1" dur="indefinite" restart="never" nodeType="tmRoot"/>
+      </p:par>
+    </p:tnLst>
+  </p:timing>
 </p:sld>
 </file>
 
@@ -5590,6 +5737,13 @@
   <p:clrMapOvr>
     <a:masterClrMapping/>
   </p:clrMapOvr>
+  <p:timing>
+    <p:tnLst>
+      <p:par>
+        <p:cTn id="1" dur="indefinite" restart="never" nodeType="tmRoot"/>
+      </p:par>
+    </p:tnLst>
+  </p:timing>
 </p:sld>
 </file>
 
@@ -5864,6 +6018,13 @@
   <p:clrMapOvr>
     <a:masterClrMapping/>
   </p:clrMapOvr>
+  <p:timing>
+    <p:tnLst>
+      <p:par>
+        <p:cTn id="1" dur="indefinite" restart="never" nodeType="tmRoot"/>
+      </p:par>
+    </p:tnLst>
+  </p:timing>
 </p:sld>
 </file>
 
@@ -6005,6 +6166,13 @@
   <p:clrMapOvr>
     <a:masterClrMapping/>
   </p:clrMapOvr>
+  <p:timing>
+    <p:tnLst>
+      <p:par>
+        <p:cTn id="1" dur="indefinite" restart="never" nodeType="tmRoot"/>
+      </p:par>
+    </p:tnLst>
+  </p:timing>
 </p:sld>
 </file>
 
@@ -6194,6 +6362,13 @@
   <p:clrMapOvr>
     <a:masterClrMapping/>
   </p:clrMapOvr>
+  <p:timing>
+    <p:tnLst>
+      <p:par>
+        <p:cTn id="1" dur="indefinite" restart="never" nodeType="tmRoot"/>
+      </p:par>
+    </p:tnLst>
+  </p:timing>
 </p:sld>
 </file>
 
@@ -6450,6 +6625,13 @@
   <p:clrMapOvr>
     <a:masterClrMapping/>
   </p:clrMapOvr>
+  <p:timing>
+    <p:tnLst>
+      <p:par>
+        <p:cTn id="1" dur="indefinite" restart="never" nodeType="tmRoot"/>
+      </p:par>
+    </p:tnLst>
+  </p:timing>
 </p:sld>
 </file>
 
